--- a/courses/cse3400-f2025/lecture8.pptx
+++ b/courses/cse3400-f2025/lecture8.pptx
@@ -5,7 +5,7 @@
     <p:sldMasterId id="2147483648" r:id="rId1"/>
   </p:sldMasterIdLst>
   <p:notesMasterIdLst>
-    <p:notesMasterId r:id="rId20"/>
+    <p:notesMasterId r:id="rId19"/>
   </p:notesMasterIdLst>
   <p:sldIdLst>
     <p:sldId id="1009" r:id="rId2"/>
@@ -18,14 +18,13 @@
     <p:sldId id="1019" r:id="rId9"/>
     <p:sldId id="1015" r:id="rId10"/>
     <p:sldId id="1016" r:id="rId11"/>
-    <p:sldId id="528" r:id="rId12"/>
-    <p:sldId id="529" r:id="rId13"/>
-    <p:sldId id="373" r:id="rId14"/>
-    <p:sldId id="374" r:id="rId15"/>
-    <p:sldId id="295" r:id="rId16"/>
-    <p:sldId id="379" r:id="rId17"/>
-    <p:sldId id="601" r:id="rId18"/>
-    <p:sldId id="592" r:id="rId19"/>
+    <p:sldId id="529" r:id="rId12"/>
+    <p:sldId id="373" r:id="rId13"/>
+    <p:sldId id="374" r:id="rId14"/>
+    <p:sldId id="295" r:id="rId15"/>
+    <p:sldId id="379" r:id="rId16"/>
+    <p:sldId id="601" r:id="rId17"/>
+    <p:sldId id="592" r:id="rId18"/>
   </p:sldIdLst>
   <p:sldSz cx="9144000" cy="6858000" type="screen4x3"/>
   <p:notesSz cx="6778625" cy="9478963"/>
@@ -1698,7 +1697,7 @@
                   <a:spcPct val="0"/>
                 </a:spcBef>
               </a:pPr>
-              <a:t>10/29/24</a:t>
+              <a:t>10/21/25</a:t>
             </a:fld>
             <a:endParaRPr lang="en-US" altLang="en-US">
               <a:latin typeface="Arial" panose="020B0604020202020204" pitchFamily="34" charset="0"/>
@@ -2338,7 +2337,7 @@
                   <a:spcPct val="0"/>
                 </a:spcBef>
               </a:pPr>
-              <a:t>13</a:t>
+              <a:t>12</a:t>
             </a:fld>
             <a:endParaRPr lang="he-IL" altLang="en-US">
               <a:latin typeface="Arial" panose="020B0604020202020204" pitchFamily="34" charset="0"/>
@@ -2664,7 +2663,7 @@
                   <a:spcPct val="0"/>
                 </a:spcBef>
               </a:pPr>
-              <a:t>13</a:t>
+              <a:t>12</a:t>
             </a:fld>
             <a:endParaRPr lang="he-IL" altLang="en-US">
               <a:latin typeface="Arial" panose="020B0604020202020204" pitchFamily="34" charset="0"/>
@@ -3623,7 +3622,7 @@
                   <a:spcPct val="0"/>
                 </a:spcBef>
               </a:pPr>
-              <a:t>10/29/24</a:t>
+              <a:t>10/21/25</a:t>
             </a:fld>
             <a:endParaRPr lang="en-US" altLang="en-US">
               <a:latin typeface="Arial" panose="020B0604020202020204" pitchFamily="34" charset="0"/>
@@ -4039,7 +4038,7 @@
                   <a:spcPct val="0"/>
                 </a:spcBef>
               </a:pPr>
-              <a:t>10/29/24</a:t>
+              <a:t>10/21/25</a:t>
             </a:fld>
             <a:endParaRPr lang="en-US" altLang="en-US">
               <a:latin typeface="Arial" panose="020B0604020202020204" pitchFamily="34" charset="0"/>
@@ -4679,7 +4678,7 @@
                   <a:spcPct val="0"/>
                 </a:spcBef>
               </a:pPr>
-              <a:t>14</a:t>
+              <a:t>13</a:t>
             </a:fld>
             <a:endParaRPr lang="he-IL" altLang="en-US">
               <a:latin typeface="Arial" panose="020B0604020202020204" pitchFamily="34" charset="0"/>
@@ -5005,7 +5004,7 @@
                   <a:spcPct val="0"/>
                 </a:spcBef>
               </a:pPr>
-              <a:t>14</a:t>
+              <a:t>13</a:t>
             </a:fld>
             <a:endParaRPr lang="he-IL" altLang="en-US">
               <a:latin typeface="Arial" panose="020B0604020202020204" pitchFamily="34" charset="0"/>
@@ -5964,7 +5963,7 @@
                   <a:spcPct val="0"/>
                 </a:spcBef>
               </a:pPr>
-              <a:t>10/29/24</a:t>
+              <a:t>10/21/25</a:t>
             </a:fld>
             <a:endParaRPr lang="en-US" altLang="en-US">
               <a:latin typeface="Arial" panose="020B0604020202020204" pitchFamily="34" charset="0"/>
@@ -6726,7 +6725,7 @@
                   <a:spcPct val="0"/>
                 </a:spcBef>
               </a:pPr>
-              <a:t>15</a:t>
+              <a:t>14</a:t>
             </a:fld>
             <a:endParaRPr lang="en-US" altLang="en-US"/>
           </a:p>
@@ -7064,7 +7063,7 @@
                 <a:buFontTx/>
                 <a:buNone/>
               </a:pPr>
-              <a:t>15</a:t>
+              <a:t>14</a:t>
             </a:fld>
             <a:endParaRPr lang="en-US" altLang="en-US">
               <a:latin typeface="Arial" panose="020B0604020202020204" pitchFamily="34" charset="0"/>
@@ -8818,7 +8817,7 @@
                   <a:spcPct val="0"/>
                 </a:spcBef>
               </a:pPr>
-              <a:t>16</a:t>
+              <a:t>15</a:t>
             </a:fld>
             <a:endParaRPr lang="en-US" altLang="en-US"/>
           </a:p>
@@ -9156,7 +9155,7 @@
                 <a:buFontTx/>
                 <a:buNone/>
               </a:pPr>
-              <a:t>16</a:t>
+              <a:t>15</a:t>
             </a:fld>
             <a:endParaRPr lang="en-US" altLang="en-US">
               <a:latin typeface="Arial" panose="020B0604020202020204" pitchFamily="34" charset="0"/>
@@ -10900,7 +10899,7 @@
                 <a:buFontTx/>
                 <a:buNone/>
               </a:pPr>
-              <a:t>17</a:t>
+              <a:t>16</a:t>
             </a:fld>
             <a:endParaRPr lang="en-US" altLang="he-IL" sz="1300"/>
           </a:p>
@@ -14815,7 +14814,7 @@
             <a:pPr algn="ctr"/>
             <a:r>
               <a:rPr lang="en-US" altLang="en-US" sz="2800" dirty="0"/>
-              <a:t>CSE 3400/5850 - Introduction to Computer &amp; Network Security </a:t>
+              <a:t>CSE 3400/5850 - Introduction to Cryptography and Cybersecurity </a:t>
             </a:r>
             <a:br>
               <a:rPr lang="en-US" altLang="en-US" sz="2800" dirty="0"/>
@@ -15254,12 +15253,6 @@
         <p:txBody>
           <a:bodyPr/>
           <a:lstStyle/>
-          <a:p>
-            <a:r>
-              <a:rPr lang="en-US" sz="2800" dirty="0"/>
-              <a:t>Our focus.</a:t>
-            </a:r>
-          </a:p>
           <a:p>
             <a:r>
               <a:rPr lang="en-US" sz="2800" dirty="0"/>
@@ -15847,7 +15840,7 @@
               <a:p>
                 <a:r>
                   <a:rPr lang="en-US" sz="2800" dirty="0"/>
-                  <a:t>A protocol to open </a:t>
+                  <a:t>A protocol to open communication </a:t>
                 </a:r>
                 <a:r>
                   <a:rPr lang="en-US" sz="2800" b="1" dirty="0"/>
@@ -15858,1087 +15851,6 @@
                   <a:t>between parties</a:t>
                 </a:r>
               </a:p>
-              <a:p>
-                <a:pPr lvl="1"/>
-                <a:r>
-                  <a:rPr lang="en-US" sz="2400" dirty="0"/>
-                  <a:t>Each party assigns its own unique ID to each session, and maps peer’s-IDs to its own IDs</a:t>
-                </a:r>
-              </a:p>
-              <a:p>
-                <a:pPr lvl="2"/>
-                <a:r>
-                  <a:rPr lang="en-US" sz="2000" dirty="0"/>
-                  <a:t>Alice maps Bob’s </a:t>
-                </a:r>
-                <a14:m>
-                  <m:oMath xmlns:m="http://schemas.openxmlformats.org/officeDocument/2006/math">
-                    <m:sSub>
-                      <m:sSubPr>
-                        <m:ctrlPr>
-                          <a:rPr lang="en-US" sz="2000" i="1" smtClean="0">
-                            <a:latin typeface="Cambria Math" panose="02040503050406030204" pitchFamily="18" charset="0"/>
-                          </a:rPr>
-                        </m:ctrlPr>
-                      </m:sSubPr>
-                      <m:e>
-                        <m:r>
-                          <a:rPr lang="en-US" sz="2000" b="0" i="1" smtClean="0">
-                            <a:latin typeface="Cambria Math" panose="02040503050406030204" pitchFamily="18" charset="0"/>
-                          </a:rPr>
-                          <m:t>𝑖</m:t>
-                        </m:r>
-                      </m:e>
-                      <m:sub>
-                        <m:r>
-                          <a:rPr lang="en-US" sz="2000" b="0" i="1" smtClean="0">
-                            <a:latin typeface="Cambria Math" panose="02040503050406030204" pitchFamily="18" charset="0"/>
-                          </a:rPr>
-                          <m:t>𝐵</m:t>
-                        </m:r>
-                      </m:sub>
-                    </m:sSub>
-                  </m:oMath>
-                </a14:m>
-                <a:r>
-                  <a:rPr lang="en-US" sz="2000" dirty="0"/>
-                  <a:t> to its identifier </a:t>
-                </a:r>
-                <a14:m>
-                  <m:oMath xmlns:m="http://schemas.openxmlformats.org/officeDocument/2006/math">
-                    <m:sSub>
-                      <m:sSubPr>
-                        <m:ctrlPr>
-                          <a:rPr lang="en-US" sz="2000" i="1" dirty="0" smtClean="0">
-                            <a:latin typeface="Cambria Math" panose="02040503050406030204" pitchFamily="18" charset="0"/>
-                          </a:rPr>
-                        </m:ctrlPr>
-                      </m:sSubPr>
-                      <m:e>
-                        <m:r>
-                          <a:rPr lang="en-US" sz="2000" b="0" i="1" dirty="0" smtClean="0">
-                            <a:latin typeface="Cambria Math" panose="02040503050406030204" pitchFamily="18" charset="0"/>
-                          </a:rPr>
-                          <m:t>𝐼𝐷</m:t>
-                        </m:r>
-                      </m:e>
-                      <m:sub>
-                        <m:r>
-                          <a:rPr lang="en-US" sz="2000" b="0" i="1" dirty="0" smtClean="0">
-                            <a:latin typeface="Cambria Math" panose="02040503050406030204" pitchFamily="18" charset="0"/>
-                          </a:rPr>
-                          <m:t>𝐴</m:t>
-                        </m:r>
-                      </m:sub>
-                    </m:sSub>
-                    <m:d>
-                      <m:dPr>
-                        <m:ctrlPr>
-                          <a:rPr lang="en-US" sz="2000" i="1" dirty="0" smtClean="0">
-                            <a:latin typeface="Cambria Math" panose="02040503050406030204" pitchFamily="18" charset="0"/>
-                          </a:rPr>
-                        </m:ctrlPr>
-                      </m:dPr>
-                      <m:e>
-                        <m:sSub>
-                          <m:sSubPr>
-                            <m:ctrlPr>
-                              <a:rPr lang="en-US" sz="2000" i="1">
-                                <a:latin typeface="Cambria Math" panose="02040503050406030204" pitchFamily="18" charset="0"/>
-                              </a:rPr>
-                            </m:ctrlPr>
-                          </m:sSubPr>
-                          <m:e>
-                            <m:r>
-                              <a:rPr lang="en-US" sz="2000" i="1">
-                                <a:latin typeface="Cambria Math" panose="02040503050406030204" pitchFamily="18" charset="0"/>
-                              </a:rPr>
-                              <m:t>𝑖</m:t>
-                            </m:r>
-                          </m:e>
-                          <m:sub>
-                            <m:r>
-                              <a:rPr lang="en-US" sz="2000" i="1">
-                                <a:latin typeface="Cambria Math" panose="02040503050406030204" pitchFamily="18" charset="0"/>
-                              </a:rPr>
-                              <m:t>𝐵</m:t>
-                            </m:r>
-                          </m:sub>
-                        </m:sSub>
-                      </m:e>
-                    </m:d>
-                  </m:oMath>
-                </a14:m>
-                <a:endParaRPr lang="en-US" sz="2000" dirty="0"/>
-              </a:p>
-              <a:p>
-                <a:pPr lvl="2"/>
-                <a:r>
-                  <a:rPr lang="en-US" sz="2000" dirty="0"/>
-                  <a:t>Bob maps Alice’s </a:t>
-                </a:r>
-                <a14:m>
-                  <m:oMath xmlns:m="http://schemas.openxmlformats.org/officeDocument/2006/math">
-                    <m:sSub>
-                      <m:sSubPr>
-                        <m:ctrlPr>
-                          <a:rPr lang="en-US" sz="2000" i="1" smtClean="0">
-                            <a:latin typeface="Cambria Math" panose="02040503050406030204" pitchFamily="18" charset="0"/>
-                          </a:rPr>
-                        </m:ctrlPr>
-                      </m:sSubPr>
-                      <m:e>
-                        <m:r>
-                          <a:rPr lang="en-US" sz="2000" b="0" i="1" smtClean="0">
-                            <a:latin typeface="Cambria Math" panose="02040503050406030204" pitchFamily="18" charset="0"/>
-                          </a:rPr>
-                          <m:t>𝑖</m:t>
-                        </m:r>
-                      </m:e>
-                      <m:sub>
-                        <m:r>
-                          <a:rPr lang="en-US" sz="2000" b="0" i="1" smtClean="0">
-                            <a:latin typeface="Cambria Math" panose="02040503050406030204" pitchFamily="18" charset="0"/>
-                          </a:rPr>
-                          <m:t>𝐴</m:t>
-                        </m:r>
-                      </m:sub>
-                    </m:sSub>
-                  </m:oMath>
-                </a14:m>
-                <a:r>
-                  <a:rPr lang="en-US" sz="2000" dirty="0"/>
-                  <a:t> to its identifier </a:t>
-                </a:r>
-                <a14:m>
-                  <m:oMath xmlns:m="http://schemas.openxmlformats.org/officeDocument/2006/math">
-                    <m:sSub>
-                      <m:sSubPr>
-                        <m:ctrlPr>
-                          <a:rPr lang="en-US" sz="2000" i="1" dirty="0" smtClean="0">
-                            <a:latin typeface="Cambria Math" panose="02040503050406030204" pitchFamily="18" charset="0"/>
-                          </a:rPr>
-                        </m:ctrlPr>
-                      </m:sSubPr>
-                      <m:e>
-                        <m:r>
-                          <a:rPr lang="en-US" sz="2000" b="0" i="1" dirty="0" smtClean="0">
-                            <a:latin typeface="Cambria Math" panose="02040503050406030204" pitchFamily="18" charset="0"/>
-                          </a:rPr>
-                          <m:t>𝐼𝐷</m:t>
-                        </m:r>
-                      </m:e>
-                      <m:sub>
-                        <m:r>
-                          <a:rPr lang="en-US" sz="2000" b="0" i="1" dirty="0" smtClean="0">
-                            <a:latin typeface="Cambria Math" panose="02040503050406030204" pitchFamily="18" charset="0"/>
-                          </a:rPr>
-                          <m:t>𝐵</m:t>
-                        </m:r>
-                      </m:sub>
-                    </m:sSub>
-                    <m:d>
-                      <m:dPr>
-                        <m:ctrlPr>
-                          <a:rPr lang="en-US" sz="2000" i="1" dirty="0" smtClean="0">
-                            <a:latin typeface="Cambria Math" panose="02040503050406030204" pitchFamily="18" charset="0"/>
-                          </a:rPr>
-                        </m:ctrlPr>
-                      </m:dPr>
-                      <m:e>
-                        <m:sSub>
-                          <m:sSubPr>
-                            <m:ctrlPr>
-                              <a:rPr lang="en-US" sz="2000" i="1">
-                                <a:latin typeface="Cambria Math" panose="02040503050406030204" pitchFamily="18" charset="0"/>
-                              </a:rPr>
-                            </m:ctrlPr>
-                          </m:sSubPr>
-                          <m:e>
-                            <m:r>
-                              <a:rPr lang="en-US" sz="2000" i="1">
-                                <a:latin typeface="Cambria Math" panose="02040503050406030204" pitchFamily="18" charset="0"/>
-                              </a:rPr>
-                              <m:t>𝑖</m:t>
-                            </m:r>
-                          </m:e>
-                          <m:sub>
-                            <m:r>
-                              <a:rPr lang="en-US" sz="2000" b="0" i="1" smtClean="0">
-                                <a:latin typeface="Cambria Math" panose="02040503050406030204" pitchFamily="18" charset="0"/>
-                              </a:rPr>
-                              <m:t>𝐴</m:t>
-                            </m:r>
-                          </m:sub>
-                        </m:sSub>
-                      </m:e>
-                    </m:d>
-                  </m:oMath>
-                </a14:m>
-                <a:endParaRPr lang="en-US" sz="2000" dirty="0"/>
-              </a:p>
-              <a:p>
-                <a:r>
-                  <a:rPr lang="en-US" sz="2400" dirty="0"/>
-                  <a:t>‘Matching’ goal: </a:t>
-                </a:r>
-                <a14:m>
-                  <m:oMath xmlns:m="http://schemas.openxmlformats.org/officeDocument/2006/math">
-                    <m:sSub>
-                      <m:sSubPr>
-                        <m:ctrlPr>
-                          <a:rPr lang="en-US" sz="2000" i="1">
-                            <a:latin typeface="Cambria Math" panose="02040503050406030204" pitchFamily="18" charset="0"/>
-                          </a:rPr>
-                        </m:ctrlPr>
-                      </m:sSubPr>
-                      <m:e>
-                        <m:r>
-                          <a:rPr lang="en-US" sz="2000" i="1">
-                            <a:latin typeface="Cambria Math" panose="02040503050406030204" pitchFamily="18" charset="0"/>
-                          </a:rPr>
-                          <m:t>𝑖</m:t>
-                        </m:r>
-                      </m:e>
-                      <m:sub>
-                        <m:r>
-                          <a:rPr lang="en-US" sz="2000" i="1">
-                            <a:latin typeface="Cambria Math" panose="02040503050406030204" pitchFamily="18" charset="0"/>
-                          </a:rPr>
-                          <m:t>𝐴</m:t>
-                        </m:r>
-                      </m:sub>
-                    </m:sSub>
-                    <m:r>
-                      <a:rPr lang="en-US" sz="2000" b="0" i="1" smtClean="0">
-                        <a:latin typeface="Cambria Math" panose="02040503050406030204" pitchFamily="18" charset="0"/>
-                      </a:rPr>
-                      <m:t>=</m:t>
-                    </m:r>
-                    <m:sSub>
-                      <m:sSubPr>
-                        <m:ctrlPr>
-                          <a:rPr lang="en-US" sz="2000" i="1" dirty="0" smtClean="0">
-                            <a:latin typeface="Cambria Math" panose="02040503050406030204" pitchFamily="18" charset="0"/>
-                          </a:rPr>
-                        </m:ctrlPr>
-                      </m:sSubPr>
-                      <m:e>
-                        <m:r>
-                          <a:rPr lang="en-US" sz="2000" b="0" i="1" dirty="0" smtClean="0">
-                            <a:latin typeface="Cambria Math" panose="02040503050406030204" pitchFamily="18" charset="0"/>
-                          </a:rPr>
-                          <m:t>𝐼𝐷</m:t>
-                        </m:r>
-                      </m:e>
-                      <m:sub>
-                        <m:r>
-                          <a:rPr lang="en-US" sz="2000" b="0" i="1" dirty="0" smtClean="0">
-                            <a:latin typeface="Cambria Math" panose="02040503050406030204" pitchFamily="18" charset="0"/>
-                          </a:rPr>
-                          <m:t>𝐴</m:t>
-                        </m:r>
-                      </m:sub>
-                    </m:sSub>
-                    <m:d>
-                      <m:dPr>
-                        <m:ctrlPr>
-                          <a:rPr lang="en-US" sz="2000" i="1" dirty="0" smtClean="0">
-                            <a:latin typeface="Cambria Math" panose="02040503050406030204" pitchFamily="18" charset="0"/>
-                          </a:rPr>
-                        </m:ctrlPr>
-                      </m:dPr>
-                      <m:e>
-                        <m:sSub>
-                          <m:sSubPr>
-                            <m:ctrlPr>
-                              <a:rPr lang="en-US" sz="2000" i="1" dirty="0">
-                                <a:latin typeface="Cambria Math" panose="02040503050406030204" pitchFamily="18" charset="0"/>
-                              </a:rPr>
-                            </m:ctrlPr>
-                          </m:sSubPr>
-                          <m:e>
-                            <m:r>
-                              <a:rPr lang="en-US" sz="2000" i="1" dirty="0">
-                                <a:latin typeface="Cambria Math" panose="02040503050406030204" pitchFamily="18" charset="0"/>
-                              </a:rPr>
-                              <m:t>𝐼𝐷</m:t>
-                            </m:r>
-                          </m:e>
-                          <m:sub>
-                            <m:r>
-                              <a:rPr lang="en-US" sz="2000" i="1" dirty="0">
-                                <a:latin typeface="Cambria Math" panose="02040503050406030204" pitchFamily="18" charset="0"/>
-                              </a:rPr>
-                              <m:t>𝐵</m:t>
-                            </m:r>
-                          </m:sub>
-                        </m:sSub>
-                        <m:d>
-                          <m:dPr>
-                            <m:ctrlPr>
-                              <a:rPr lang="en-US" sz="2000" i="1" dirty="0">
-                                <a:latin typeface="Cambria Math" panose="02040503050406030204" pitchFamily="18" charset="0"/>
-                              </a:rPr>
-                            </m:ctrlPr>
-                          </m:dPr>
-                          <m:e>
-                            <m:sSub>
-                              <m:sSubPr>
-                                <m:ctrlPr>
-                                  <a:rPr lang="en-US" sz="2000" i="1">
-                                    <a:latin typeface="Cambria Math" panose="02040503050406030204" pitchFamily="18" charset="0"/>
-                                  </a:rPr>
-                                </m:ctrlPr>
-                              </m:sSubPr>
-                              <m:e>
-                                <m:r>
-                                  <a:rPr lang="en-US" sz="2000" i="1">
-                                    <a:latin typeface="Cambria Math" panose="02040503050406030204" pitchFamily="18" charset="0"/>
-                                  </a:rPr>
-                                  <m:t>𝑖</m:t>
-                                </m:r>
-                              </m:e>
-                              <m:sub>
-                                <m:r>
-                                  <a:rPr lang="en-US" sz="2000" i="1">
-                                    <a:latin typeface="Cambria Math" panose="02040503050406030204" pitchFamily="18" charset="0"/>
-                                  </a:rPr>
-                                  <m:t>𝐴</m:t>
-                                </m:r>
-                              </m:sub>
-                            </m:sSub>
-                          </m:e>
-                        </m:d>
-                      </m:e>
-                    </m:d>
-                    <m:r>
-                      <a:rPr lang="en-US" sz="2000" b="0" i="1" smtClean="0">
-                        <a:latin typeface="Cambria Math" panose="02040503050406030204" pitchFamily="18" charset="0"/>
-                      </a:rPr>
-                      <m:t> ,</m:t>
-                    </m:r>
-                    <m:sSub>
-                      <m:sSubPr>
-                        <m:ctrlPr>
-                          <a:rPr lang="en-US" sz="2000" i="1">
-                            <a:latin typeface="Cambria Math" panose="02040503050406030204" pitchFamily="18" charset="0"/>
-                          </a:rPr>
-                        </m:ctrlPr>
-                      </m:sSubPr>
-                      <m:e>
-                        <m:r>
-                          <a:rPr lang="en-US" sz="2000" i="1">
-                            <a:latin typeface="Cambria Math" panose="02040503050406030204" pitchFamily="18" charset="0"/>
-                          </a:rPr>
-                          <m:t>𝑖</m:t>
-                        </m:r>
-                      </m:e>
-                      <m:sub>
-                        <m:r>
-                          <a:rPr lang="en-US" sz="2000" b="0" i="1" smtClean="0">
-                            <a:latin typeface="Cambria Math" panose="02040503050406030204" pitchFamily="18" charset="0"/>
-                          </a:rPr>
-                          <m:t>𝐵</m:t>
-                        </m:r>
-                      </m:sub>
-                    </m:sSub>
-                    <m:r>
-                      <a:rPr lang="en-US" sz="2000" i="1">
-                        <a:latin typeface="Cambria Math" panose="02040503050406030204" pitchFamily="18" charset="0"/>
-                      </a:rPr>
-                      <m:t>=</m:t>
-                    </m:r>
-                    <m:sSub>
-                      <m:sSubPr>
-                        <m:ctrlPr>
-                          <a:rPr lang="en-US" sz="2000" i="1" dirty="0">
-                            <a:latin typeface="Cambria Math" panose="02040503050406030204" pitchFamily="18" charset="0"/>
-                          </a:rPr>
-                        </m:ctrlPr>
-                      </m:sSubPr>
-                      <m:e>
-                        <m:r>
-                          <a:rPr lang="en-US" sz="2000" i="1" dirty="0">
-                            <a:latin typeface="Cambria Math" panose="02040503050406030204" pitchFamily="18" charset="0"/>
-                          </a:rPr>
-                          <m:t>𝐼𝐷</m:t>
-                        </m:r>
-                      </m:e>
-                      <m:sub>
-                        <m:r>
-                          <a:rPr lang="en-US" sz="2000" b="0" i="1" dirty="0" smtClean="0">
-                            <a:latin typeface="Cambria Math" panose="02040503050406030204" pitchFamily="18" charset="0"/>
-                          </a:rPr>
-                          <m:t>𝐵</m:t>
-                        </m:r>
-                      </m:sub>
-                    </m:sSub>
-                    <m:d>
-                      <m:dPr>
-                        <m:ctrlPr>
-                          <a:rPr lang="en-US" sz="2000" i="1" dirty="0">
-                            <a:latin typeface="Cambria Math" panose="02040503050406030204" pitchFamily="18" charset="0"/>
-                          </a:rPr>
-                        </m:ctrlPr>
-                      </m:dPr>
-                      <m:e>
-                        <m:sSub>
-                          <m:sSubPr>
-                            <m:ctrlPr>
-                              <a:rPr lang="en-US" sz="2000" i="1" dirty="0">
-                                <a:latin typeface="Cambria Math" panose="02040503050406030204" pitchFamily="18" charset="0"/>
-                              </a:rPr>
-                            </m:ctrlPr>
-                          </m:sSubPr>
-                          <m:e>
-                            <m:r>
-                              <a:rPr lang="en-US" sz="2000" i="1" dirty="0">
-                                <a:latin typeface="Cambria Math" panose="02040503050406030204" pitchFamily="18" charset="0"/>
-                              </a:rPr>
-                              <m:t>𝐼𝐷</m:t>
-                            </m:r>
-                          </m:e>
-                          <m:sub>
-                            <m:r>
-                              <a:rPr lang="en-US" sz="2000" b="0" i="1" dirty="0" smtClean="0">
-                                <a:latin typeface="Cambria Math" panose="02040503050406030204" pitchFamily="18" charset="0"/>
-                              </a:rPr>
-                              <m:t>𝐴</m:t>
-                            </m:r>
-                          </m:sub>
-                        </m:sSub>
-                        <m:d>
-                          <m:dPr>
-                            <m:ctrlPr>
-                              <a:rPr lang="en-US" sz="2000" i="1" dirty="0">
-                                <a:latin typeface="Cambria Math" panose="02040503050406030204" pitchFamily="18" charset="0"/>
-                              </a:rPr>
-                            </m:ctrlPr>
-                          </m:dPr>
-                          <m:e>
-                            <m:sSub>
-                              <m:sSubPr>
-                                <m:ctrlPr>
-                                  <a:rPr lang="en-US" sz="2000" i="1">
-                                    <a:latin typeface="Cambria Math" panose="02040503050406030204" pitchFamily="18" charset="0"/>
-                                  </a:rPr>
-                                </m:ctrlPr>
-                              </m:sSubPr>
-                              <m:e>
-                                <m:r>
-                                  <a:rPr lang="en-US" sz="2000" i="1">
-                                    <a:latin typeface="Cambria Math" panose="02040503050406030204" pitchFamily="18" charset="0"/>
-                                  </a:rPr>
-                                  <m:t>𝑖</m:t>
-                                </m:r>
-                              </m:e>
-                              <m:sub>
-                                <m:r>
-                                  <a:rPr lang="en-US" sz="2000" b="0" i="1" smtClean="0">
-                                    <a:latin typeface="Cambria Math" panose="02040503050406030204" pitchFamily="18" charset="0"/>
-                                  </a:rPr>
-                                  <m:t>𝐵</m:t>
-                                </m:r>
-                              </m:sub>
-                            </m:sSub>
-                          </m:e>
-                        </m:d>
-                      </m:e>
-                    </m:d>
-                  </m:oMath>
-                </a14:m>
-                <a:endParaRPr lang="en-US" sz="2000" dirty="0"/>
-              </a:p>
-              <a:p>
-                <a:r>
-                  <a:rPr lang="en-US" sz="2400" dirty="0"/>
-                  <a:t>Allow concurrent sessions and both to open</a:t>
-                </a:r>
-              </a:p>
-              <a:p>
-                <a:pPr lvl="1"/>
-                <a:r>
-                  <a:rPr lang="en-US" sz="2000" dirty="0"/>
-                  <a:t>Simplify: no timeout / failures / close, ignore session protocol, … </a:t>
-                </a:r>
-              </a:p>
-            </p:txBody>
-          </p:sp>
-        </mc:Choice>
-        <mc:Fallback>
-          <p:sp>
-            <p:nvSpPr>
-              <p:cNvPr id="3" name="Content Placeholder 2"/>
-              <p:cNvSpPr>
-                <a:spLocks noGrp="1" noRot="1" noChangeAspect="1" noMove="1" noResize="1" noEditPoints="1" noAdjustHandles="1" noChangeArrowheads="1" noChangeShapeType="1" noTextEdit="1"/>
-              </p:cNvSpPr>
-              <p:nvPr>
-                <p:ph idx="1"/>
-              </p:nvPr>
-            </p:nvSpPr>
-            <p:spPr>
-              <a:xfrm>
-                <a:off x="423068" y="987114"/>
-                <a:ext cx="8331994" cy="4979988"/>
-              </a:xfrm>
-              <a:blipFill>
-                <a:blip r:embed="rId2"/>
-                <a:stretch>
-                  <a:fillRect l="-1370" t="-1272" r="-1065"/>
-                </a:stretch>
-              </a:blipFill>
-            </p:spPr>
-            <p:txBody>
-              <a:bodyPr/>
-              <a:lstStyle/>
-              <a:p>
-                <a:r>
-                  <a:rPr lang="en-US">
-                    <a:noFill/>
-                  </a:rPr>
-                  <a:t> </a:t>
-                </a:r>
-              </a:p>
-            </p:txBody>
-          </p:sp>
-        </mc:Fallback>
-      </mc:AlternateContent>
-      <p:sp>
-        <p:nvSpPr>
-          <p:cNvPr id="5" name="Slide Number Placeholder 3">
-            <a:extLst>
-              <a:ext uri="{FF2B5EF4-FFF2-40B4-BE49-F238E27FC236}">
-                <a16:creationId xmlns:a16="http://schemas.microsoft.com/office/drawing/2014/main" id="{915A45B3-C52C-5544-9474-CE3D03C72216}"/>
-              </a:ext>
-            </a:extLst>
-          </p:cNvPr>
-          <p:cNvSpPr txBox="1">
-            <a:spLocks/>
-          </p:cNvSpPr>
-          <p:nvPr/>
-        </p:nvSpPr>
-        <p:spPr>
-          <a:xfrm>
-            <a:off x="8240486" y="6242050"/>
-            <a:ext cx="439963" cy="450850"/>
-          </a:xfrm>
-          <a:prstGeom prst="rect">
-            <a:avLst/>
-          </a:prstGeom>
-          <a:noFill/>
-          <a:ln>
-            <a:noFill/>
-          </a:ln>
-        </p:spPr>
-        <p:txBody>
-          <a:bodyPr vert="horz" wrap="square" lIns="90000" tIns="46800" rIns="90000" bIns="46800" anchor="b" anchorCtr="0" compatLnSpc="1">
-            <a:noAutofit/>
-          </a:bodyPr>
-          <a:lstStyle>
-            <a:defPPr>
-              <a:defRPr lang="en-GB"/>
-            </a:defPPr>
-            <a:lvl1pPr marL="0" marR="0" lvl="0" indent="0" algn="l" defTabSz="449263" rtl="0" eaLnBrk="1" fontAlgn="base" hangingPunct="1">
-              <a:lnSpc>
-                <a:spcPct val="100000"/>
-              </a:lnSpc>
-              <a:spcBef>
-                <a:spcPts val="750"/>
-              </a:spcBef>
-              <a:spcAft>
-                <a:spcPts val="0"/>
-              </a:spcAft>
-              <a:buClr>
-                <a:srgbClr val="000000"/>
-              </a:buClr>
-              <a:buSzPct val="100000"/>
-              <a:buFont typeface="Times New Roman" panose="02020603050405020304" pitchFamily="18" charset="0"/>
-              <a:buNone/>
-              <a:tabLst>
-                <a:tab pos="0" algn="l"/>
-                <a:tab pos="447675" algn="l"/>
-                <a:tab pos="896938" algn="l"/>
-                <a:tab pos="1346200" algn="l"/>
-                <a:tab pos="1795463" algn="l"/>
-                <a:tab pos="2244725" algn="l"/>
-                <a:tab pos="2693988" algn="l"/>
-                <a:tab pos="3143250" algn="l"/>
-                <a:tab pos="3592513" algn="l"/>
-                <a:tab pos="4041775" algn="l"/>
-                <a:tab pos="4491038" algn="l"/>
-                <a:tab pos="4940300" algn="l"/>
-                <a:tab pos="5389563" algn="l"/>
-                <a:tab pos="5838825" algn="l"/>
-                <a:tab pos="6288088" algn="l"/>
-                <a:tab pos="6737350" algn="l"/>
-                <a:tab pos="7186613" algn="l"/>
-                <a:tab pos="7635875" algn="l"/>
-                <a:tab pos="8085138" algn="l"/>
-                <a:tab pos="8534400" algn="l"/>
-                <a:tab pos="8983663" algn="l"/>
-              </a:tabLst>
-              <a:defRPr lang="en-US" sz="3000" b="0" i="0" u="none" strike="noStrike" kern="1200" baseline="0">
-                <a:solidFill>
-                  <a:srgbClr val="000000"/>
-                </a:solidFill>
-                <a:latin typeface="Arial" panose="020B0604020202020204" pitchFamily="34" charset="0"/>
-                <a:ea typeface="Arial" pitchFamily="34"/>
-                <a:cs typeface="Arial" panose="020B0604020202020204" pitchFamily="34" charset="0"/>
-              </a:defRPr>
-            </a:lvl1pPr>
-            <a:lvl2pPr marL="742950" indent="-285750" algn="l" defTabSz="449263" rtl="0" eaLnBrk="0" fontAlgn="base" hangingPunct="0">
-              <a:spcBef>
-                <a:spcPts val="650"/>
-              </a:spcBef>
-              <a:spcAft>
-                <a:spcPct val="0"/>
-              </a:spcAft>
-              <a:buClr>
-                <a:srgbClr val="000000"/>
-              </a:buClr>
-              <a:buSzPct val="100000"/>
-              <a:buFont typeface="Times New Roman" panose="02020603050405020304" pitchFamily="18" charset="0"/>
-              <a:tabLst>
-                <a:tab pos="0" algn="l"/>
-                <a:tab pos="447675" algn="l"/>
-                <a:tab pos="896938" algn="l"/>
-                <a:tab pos="1346200" algn="l"/>
-                <a:tab pos="1795463" algn="l"/>
-                <a:tab pos="2244725" algn="l"/>
-                <a:tab pos="2693988" algn="l"/>
-                <a:tab pos="3143250" algn="l"/>
-                <a:tab pos="3592513" algn="l"/>
-                <a:tab pos="4041775" algn="l"/>
-                <a:tab pos="4491038" algn="l"/>
-                <a:tab pos="4940300" algn="l"/>
-                <a:tab pos="5389563" algn="l"/>
-                <a:tab pos="5838825" algn="l"/>
-                <a:tab pos="6288088" algn="l"/>
-                <a:tab pos="6737350" algn="l"/>
-                <a:tab pos="7186613" algn="l"/>
-                <a:tab pos="7635875" algn="l"/>
-                <a:tab pos="8085138" algn="l"/>
-                <a:tab pos="8534400" algn="l"/>
-                <a:tab pos="8983663" algn="l"/>
-              </a:tabLst>
-              <a:defRPr sz="2600" kern="1200">
-                <a:solidFill>
-                  <a:srgbClr val="000000"/>
-                </a:solidFill>
-                <a:latin typeface="Arial" panose="020B0604020202020204" pitchFamily="34" charset="0"/>
-                <a:ea typeface="+mn-ea"/>
-                <a:cs typeface="Arial" panose="020B0604020202020204" pitchFamily="34" charset="0"/>
-              </a:defRPr>
-            </a:lvl2pPr>
-            <a:lvl3pPr marL="1143000" indent="-228600" algn="l" defTabSz="449263" rtl="0" eaLnBrk="0" fontAlgn="base" hangingPunct="0">
-              <a:spcBef>
-                <a:spcPts val="550"/>
-              </a:spcBef>
-              <a:spcAft>
-                <a:spcPct val="0"/>
-              </a:spcAft>
-              <a:buClr>
-                <a:srgbClr val="000000"/>
-              </a:buClr>
-              <a:buSzPct val="100000"/>
-              <a:buFont typeface="Times New Roman" panose="02020603050405020304" pitchFamily="18" charset="0"/>
-              <a:tabLst>
-                <a:tab pos="0" algn="l"/>
-                <a:tab pos="447675" algn="l"/>
-                <a:tab pos="896938" algn="l"/>
-                <a:tab pos="1346200" algn="l"/>
-                <a:tab pos="1795463" algn="l"/>
-                <a:tab pos="2244725" algn="l"/>
-                <a:tab pos="2693988" algn="l"/>
-                <a:tab pos="3143250" algn="l"/>
-                <a:tab pos="3592513" algn="l"/>
-                <a:tab pos="4041775" algn="l"/>
-                <a:tab pos="4491038" algn="l"/>
-                <a:tab pos="4940300" algn="l"/>
-                <a:tab pos="5389563" algn="l"/>
-                <a:tab pos="5838825" algn="l"/>
-                <a:tab pos="6288088" algn="l"/>
-                <a:tab pos="6737350" algn="l"/>
-                <a:tab pos="7186613" algn="l"/>
-                <a:tab pos="7635875" algn="l"/>
-                <a:tab pos="8085138" algn="l"/>
-                <a:tab pos="8534400" algn="l"/>
-                <a:tab pos="8983663" algn="l"/>
-              </a:tabLst>
-              <a:defRPr sz="2200" kern="1200">
-                <a:solidFill>
-                  <a:srgbClr val="000000"/>
-                </a:solidFill>
-                <a:latin typeface="Arial" panose="020B0604020202020204" pitchFamily="34" charset="0"/>
-                <a:ea typeface="+mn-ea"/>
-                <a:cs typeface="Arial" panose="020B0604020202020204" pitchFamily="34" charset="0"/>
-              </a:defRPr>
-            </a:lvl3pPr>
-            <a:lvl4pPr marL="1600200" indent="-228600" algn="l" defTabSz="449263" rtl="0" eaLnBrk="0" fontAlgn="base" hangingPunct="0">
-              <a:spcBef>
-                <a:spcPts val="500"/>
-              </a:spcBef>
-              <a:spcAft>
-                <a:spcPct val="0"/>
-              </a:spcAft>
-              <a:buClr>
-                <a:srgbClr val="000000"/>
-              </a:buClr>
-              <a:buSzPct val="100000"/>
-              <a:buFont typeface="Times New Roman" panose="02020603050405020304" pitchFamily="18" charset="0"/>
-              <a:tabLst>
-                <a:tab pos="0" algn="l"/>
-                <a:tab pos="447675" algn="l"/>
-                <a:tab pos="896938" algn="l"/>
-                <a:tab pos="1346200" algn="l"/>
-                <a:tab pos="1795463" algn="l"/>
-                <a:tab pos="2244725" algn="l"/>
-                <a:tab pos="2693988" algn="l"/>
-                <a:tab pos="3143250" algn="l"/>
-                <a:tab pos="3592513" algn="l"/>
-                <a:tab pos="4041775" algn="l"/>
-                <a:tab pos="4491038" algn="l"/>
-                <a:tab pos="4940300" algn="l"/>
-                <a:tab pos="5389563" algn="l"/>
-                <a:tab pos="5838825" algn="l"/>
-                <a:tab pos="6288088" algn="l"/>
-                <a:tab pos="6737350" algn="l"/>
-                <a:tab pos="7186613" algn="l"/>
-                <a:tab pos="7635875" algn="l"/>
-                <a:tab pos="8085138" algn="l"/>
-                <a:tab pos="8534400" algn="l"/>
-                <a:tab pos="8983663" algn="l"/>
-              </a:tabLst>
-              <a:defRPr sz="2000" kern="1200">
-                <a:solidFill>
-                  <a:srgbClr val="000000"/>
-                </a:solidFill>
-                <a:latin typeface="Arial" panose="020B0604020202020204" pitchFamily="34" charset="0"/>
-                <a:ea typeface="+mn-ea"/>
-                <a:cs typeface="Arial" panose="020B0604020202020204" pitchFamily="34" charset="0"/>
-              </a:defRPr>
-            </a:lvl4pPr>
-            <a:lvl5pPr marL="2057400" indent="-228600" algn="l" defTabSz="449263" rtl="0" eaLnBrk="0" fontAlgn="base" hangingPunct="0">
-              <a:spcBef>
-                <a:spcPts val="500"/>
-              </a:spcBef>
-              <a:spcAft>
-                <a:spcPct val="0"/>
-              </a:spcAft>
-              <a:buClr>
-                <a:srgbClr val="000000"/>
-              </a:buClr>
-              <a:buSzPct val="100000"/>
-              <a:buFont typeface="Times New Roman" panose="02020603050405020304" pitchFamily="18" charset="0"/>
-              <a:tabLst>
-                <a:tab pos="0" algn="l"/>
-                <a:tab pos="447675" algn="l"/>
-                <a:tab pos="896938" algn="l"/>
-                <a:tab pos="1346200" algn="l"/>
-                <a:tab pos="1795463" algn="l"/>
-                <a:tab pos="2244725" algn="l"/>
-                <a:tab pos="2693988" algn="l"/>
-                <a:tab pos="3143250" algn="l"/>
-                <a:tab pos="3592513" algn="l"/>
-                <a:tab pos="4041775" algn="l"/>
-                <a:tab pos="4491038" algn="l"/>
-                <a:tab pos="4940300" algn="l"/>
-                <a:tab pos="5389563" algn="l"/>
-                <a:tab pos="5838825" algn="l"/>
-                <a:tab pos="6288088" algn="l"/>
-                <a:tab pos="6737350" algn="l"/>
-                <a:tab pos="7186613" algn="l"/>
-                <a:tab pos="7635875" algn="l"/>
-                <a:tab pos="8085138" algn="l"/>
-                <a:tab pos="8534400" algn="l"/>
-                <a:tab pos="8983663" algn="l"/>
-              </a:tabLst>
-              <a:defRPr sz="2000" kern="1200">
-                <a:solidFill>
-                  <a:srgbClr val="000000"/>
-                </a:solidFill>
-                <a:latin typeface="Arial" panose="020B0604020202020204" pitchFamily="34" charset="0"/>
-                <a:ea typeface="+mn-ea"/>
-                <a:cs typeface="Arial" panose="020B0604020202020204" pitchFamily="34" charset="0"/>
-              </a:defRPr>
-            </a:lvl5pPr>
-            <a:lvl6pPr marL="2514600" indent="-228600" algn="l" defTabSz="449263" rtl="0" eaLnBrk="0" fontAlgn="base" latinLnBrk="0" hangingPunct="0">
-              <a:spcBef>
-                <a:spcPts val="500"/>
-              </a:spcBef>
-              <a:spcAft>
-                <a:spcPct val="0"/>
-              </a:spcAft>
-              <a:buClr>
-                <a:srgbClr val="000000"/>
-              </a:buClr>
-              <a:buSzPct val="100000"/>
-              <a:buFont typeface="Times New Roman" panose="02020603050405020304" pitchFamily="18" charset="0"/>
-              <a:tabLst>
-                <a:tab pos="0" algn="l"/>
-                <a:tab pos="447675" algn="l"/>
-                <a:tab pos="896938" algn="l"/>
-                <a:tab pos="1346200" algn="l"/>
-                <a:tab pos="1795463" algn="l"/>
-                <a:tab pos="2244725" algn="l"/>
-                <a:tab pos="2693988" algn="l"/>
-                <a:tab pos="3143250" algn="l"/>
-                <a:tab pos="3592513" algn="l"/>
-                <a:tab pos="4041775" algn="l"/>
-                <a:tab pos="4491038" algn="l"/>
-                <a:tab pos="4940300" algn="l"/>
-                <a:tab pos="5389563" algn="l"/>
-                <a:tab pos="5838825" algn="l"/>
-                <a:tab pos="6288088" algn="l"/>
-                <a:tab pos="6737350" algn="l"/>
-                <a:tab pos="7186613" algn="l"/>
-                <a:tab pos="7635875" algn="l"/>
-                <a:tab pos="8085138" algn="l"/>
-                <a:tab pos="8534400" algn="l"/>
-                <a:tab pos="8983663" algn="l"/>
-              </a:tabLst>
-              <a:defRPr sz="2000" kern="1200">
-                <a:solidFill>
-                  <a:srgbClr val="000000"/>
-                </a:solidFill>
-                <a:latin typeface="Arial" panose="020B0604020202020204" pitchFamily="34" charset="0"/>
-                <a:ea typeface="+mn-ea"/>
-                <a:cs typeface="Arial" panose="020B0604020202020204" pitchFamily="34" charset="0"/>
-              </a:defRPr>
-            </a:lvl6pPr>
-            <a:lvl7pPr marL="2971800" indent="-228600" algn="l" defTabSz="449263" rtl="0" eaLnBrk="0" fontAlgn="base" latinLnBrk="0" hangingPunct="0">
-              <a:spcBef>
-                <a:spcPts val="500"/>
-              </a:spcBef>
-              <a:spcAft>
-                <a:spcPct val="0"/>
-              </a:spcAft>
-              <a:buClr>
-                <a:srgbClr val="000000"/>
-              </a:buClr>
-              <a:buSzPct val="100000"/>
-              <a:buFont typeface="Times New Roman" panose="02020603050405020304" pitchFamily="18" charset="0"/>
-              <a:tabLst>
-                <a:tab pos="0" algn="l"/>
-                <a:tab pos="447675" algn="l"/>
-                <a:tab pos="896938" algn="l"/>
-                <a:tab pos="1346200" algn="l"/>
-                <a:tab pos="1795463" algn="l"/>
-                <a:tab pos="2244725" algn="l"/>
-                <a:tab pos="2693988" algn="l"/>
-                <a:tab pos="3143250" algn="l"/>
-                <a:tab pos="3592513" algn="l"/>
-                <a:tab pos="4041775" algn="l"/>
-                <a:tab pos="4491038" algn="l"/>
-                <a:tab pos="4940300" algn="l"/>
-                <a:tab pos="5389563" algn="l"/>
-                <a:tab pos="5838825" algn="l"/>
-                <a:tab pos="6288088" algn="l"/>
-                <a:tab pos="6737350" algn="l"/>
-                <a:tab pos="7186613" algn="l"/>
-                <a:tab pos="7635875" algn="l"/>
-                <a:tab pos="8085138" algn="l"/>
-                <a:tab pos="8534400" algn="l"/>
-                <a:tab pos="8983663" algn="l"/>
-              </a:tabLst>
-              <a:defRPr sz="2000" kern="1200">
-                <a:solidFill>
-                  <a:srgbClr val="000000"/>
-                </a:solidFill>
-                <a:latin typeface="Arial" panose="020B0604020202020204" pitchFamily="34" charset="0"/>
-                <a:ea typeface="+mn-ea"/>
-                <a:cs typeface="Arial" panose="020B0604020202020204" pitchFamily="34" charset="0"/>
-              </a:defRPr>
-            </a:lvl7pPr>
-            <a:lvl8pPr marL="3429000" indent="-228600" algn="l" defTabSz="449263" rtl="0" eaLnBrk="0" fontAlgn="base" latinLnBrk="0" hangingPunct="0">
-              <a:spcBef>
-                <a:spcPts val="500"/>
-              </a:spcBef>
-              <a:spcAft>
-                <a:spcPct val="0"/>
-              </a:spcAft>
-              <a:buClr>
-                <a:srgbClr val="000000"/>
-              </a:buClr>
-              <a:buSzPct val="100000"/>
-              <a:buFont typeface="Times New Roman" panose="02020603050405020304" pitchFamily="18" charset="0"/>
-              <a:tabLst>
-                <a:tab pos="0" algn="l"/>
-                <a:tab pos="447675" algn="l"/>
-                <a:tab pos="896938" algn="l"/>
-                <a:tab pos="1346200" algn="l"/>
-                <a:tab pos="1795463" algn="l"/>
-                <a:tab pos="2244725" algn="l"/>
-                <a:tab pos="2693988" algn="l"/>
-                <a:tab pos="3143250" algn="l"/>
-                <a:tab pos="3592513" algn="l"/>
-                <a:tab pos="4041775" algn="l"/>
-                <a:tab pos="4491038" algn="l"/>
-                <a:tab pos="4940300" algn="l"/>
-                <a:tab pos="5389563" algn="l"/>
-                <a:tab pos="5838825" algn="l"/>
-                <a:tab pos="6288088" algn="l"/>
-                <a:tab pos="6737350" algn="l"/>
-                <a:tab pos="7186613" algn="l"/>
-                <a:tab pos="7635875" algn="l"/>
-                <a:tab pos="8085138" algn="l"/>
-                <a:tab pos="8534400" algn="l"/>
-                <a:tab pos="8983663" algn="l"/>
-              </a:tabLst>
-              <a:defRPr sz="2000" kern="1200">
-                <a:solidFill>
-                  <a:srgbClr val="000000"/>
-                </a:solidFill>
-                <a:latin typeface="Arial" panose="020B0604020202020204" pitchFamily="34" charset="0"/>
-                <a:ea typeface="+mn-ea"/>
-                <a:cs typeface="Arial" panose="020B0604020202020204" pitchFamily="34" charset="0"/>
-              </a:defRPr>
-            </a:lvl8pPr>
-            <a:lvl9pPr marL="3886200" indent="-228600" algn="l" defTabSz="449263" rtl="0" eaLnBrk="0" fontAlgn="base" latinLnBrk="0" hangingPunct="0">
-              <a:spcBef>
-                <a:spcPts val="500"/>
-              </a:spcBef>
-              <a:spcAft>
-                <a:spcPct val="0"/>
-              </a:spcAft>
-              <a:buClr>
-                <a:srgbClr val="000000"/>
-              </a:buClr>
-              <a:buSzPct val="100000"/>
-              <a:buFont typeface="Times New Roman" panose="02020603050405020304" pitchFamily="18" charset="0"/>
-              <a:tabLst>
-                <a:tab pos="0" algn="l"/>
-                <a:tab pos="447675" algn="l"/>
-                <a:tab pos="896938" algn="l"/>
-                <a:tab pos="1346200" algn="l"/>
-                <a:tab pos="1795463" algn="l"/>
-                <a:tab pos="2244725" algn="l"/>
-                <a:tab pos="2693988" algn="l"/>
-                <a:tab pos="3143250" algn="l"/>
-                <a:tab pos="3592513" algn="l"/>
-                <a:tab pos="4041775" algn="l"/>
-                <a:tab pos="4491038" algn="l"/>
-                <a:tab pos="4940300" algn="l"/>
-                <a:tab pos="5389563" algn="l"/>
-                <a:tab pos="5838825" algn="l"/>
-                <a:tab pos="6288088" algn="l"/>
-                <a:tab pos="6737350" algn="l"/>
-                <a:tab pos="7186613" algn="l"/>
-                <a:tab pos="7635875" algn="l"/>
-                <a:tab pos="8085138" algn="l"/>
-                <a:tab pos="8534400" algn="l"/>
-                <a:tab pos="8983663" algn="l"/>
-              </a:tabLst>
-              <a:defRPr sz="2000" kern="1200">
-                <a:solidFill>
-                  <a:srgbClr val="000000"/>
-                </a:solidFill>
-                <a:latin typeface="Arial" panose="020B0604020202020204" pitchFamily="34" charset="0"/>
-                <a:ea typeface="+mn-ea"/>
-                <a:cs typeface="Arial" panose="020B0604020202020204" pitchFamily="34" charset="0"/>
-              </a:defRPr>
-            </a:lvl9pPr>
-          </a:lstStyle>
-          <a:p>
-            <a:pPr>
-              <a:spcBef>
-                <a:spcPct val="0"/>
-              </a:spcBef>
-              <a:buClrTx/>
-              <a:buFontTx/>
-              <a:buNone/>
-            </a:pPr>
-            <a:fld id="{FEA9F0D9-C7A7-4A77-9695-8775D8CEDA3F}" type="slidenum">
-              <a:rPr lang="he-IL" altLang="he-IL" sz="1800" smtClean="0"/>
-              <a:pPr>
-                <a:spcBef>
-                  <a:spcPct val="0"/>
-                </a:spcBef>
-                <a:buClrTx/>
-                <a:buFontTx/>
-                <a:buNone/>
-              </a:pPr>
-              <a:t>11</a:t>
-            </a:fld>
-            <a:endParaRPr lang="he-IL" altLang="he-IL" sz="1800" dirty="0"/>
-          </a:p>
-        </p:txBody>
-      </p:sp>
-    </p:spTree>
-    <p:extLst>
-      <p:ext uri="{BB962C8B-B14F-4D97-AF65-F5344CB8AC3E}">
-        <p14:creationId xmlns:p14="http://schemas.microsoft.com/office/powerpoint/2010/main" val="1526241133"/>
-      </p:ext>
-    </p:extLst>
-  </p:cSld>
-  <p:clrMapOvr>
-    <a:masterClrMapping/>
-  </p:clrMapOvr>
-</p:sld>
-</file>
-
-<file path=ppt/slides/slide12.xml><?xml version="1.0" encoding="utf-8"?>
-<p:sld xmlns:a="http://schemas.openxmlformats.org/drawingml/2006/main" xmlns:r="http://schemas.openxmlformats.org/officeDocument/2006/relationships" xmlns:p="http://schemas.openxmlformats.org/presentationml/2006/main">
-  <p:cSld>
-    <p:spTree>
-      <p:nvGrpSpPr>
-        <p:cNvPr id="1" name=""/>
-        <p:cNvGrpSpPr/>
-        <p:nvPr/>
-      </p:nvGrpSpPr>
-      <p:grpSpPr>
-        <a:xfrm>
-          <a:off x="0" y="0"/>
-          <a:ext cx="0" cy="0"/>
-          <a:chOff x="0" y="0"/>
-          <a:chExt cx="0" cy="0"/>
-        </a:xfrm>
-      </p:grpSpPr>
-      <p:sp>
-        <p:nvSpPr>
-          <p:cNvPr id="2" name="Title 1"/>
-          <p:cNvSpPr>
-            <a:spLocks noGrp="1"/>
-          </p:cNvSpPr>
-          <p:nvPr>
-            <p:ph type="title"/>
-          </p:nvPr>
-        </p:nvSpPr>
-        <p:spPr/>
-        <p:txBody>
-          <a:bodyPr/>
-          <a:lstStyle/>
-          <a:p>
-            <a:r>
-              <a:rPr lang="en-US" sz="3600" dirty="0"/>
-              <a:t>Handshake Entity-Authentication protocol</a:t>
-            </a:r>
-            <a:endParaRPr lang="en-US" sz="3600" b="1" dirty="0"/>
-          </a:p>
-        </p:txBody>
-      </p:sp>
-      <mc:AlternateContent xmlns:mc="http://schemas.openxmlformats.org/markup-compatibility/2006">
-        <mc:Choice xmlns:a14="http://schemas.microsoft.com/office/drawing/2010/main" Requires="a14">
-          <p:sp>
-            <p:nvSpPr>
-              <p:cNvPr id="3" name="Content Placeholder 2"/>
-              <p:cNvSpPr>
-                <a:spLocks noGrp="1"/>
-              </p:cNvSpPr>
-              <p:nvPr>
-                <p:ph idx="1"/>
-              </p:nvPr>
-            </p:nvSpPr>
-            <p:spPr>
-              <a:xfrm>
-                <a:off x="423068" y="987114"/>
-                <a:ext cx="8331994" cy="4979988"/>
-              </a:xfrm>
-            </p:spPr>
-            <p:txBody>
-              <a:bodyPr/>
-              <a:lstStyle/>
               <a:p>
                 <a:r>
                   <a:rPr lang="en-US" sz="2800" dirty="0"/>
@@ -17019,7 +15931,7 @@
                       <a:rPr lang="en-US" sz="2400" b="0" i="1" dirty="0" smtClean="0">
                         <a:latin typeface="Cambria Math" panose="02040503050406030204" pitchFamily="18" charset="0"/>
                       </a:rPr>
-                      <m:t>𝑂𝑢𝑡</m:t>
+                      <m:t>𝑆𝑒𝑛𝑑</m:t>
                     </m:r>
                     <m:r>
                       <a:rPr lang="en-US" sz="2400" i="1" dirty="0" smtClean="0">
@@ -17069,10 +15981,10 @@
                 <a14:m>
                   <m:oMath xmlns:m="http://schemas.openxmlformats.org/officeDocument/2006/math">
                     <m:r>
-                      <a:rPr lang="en-US" sz="2400" i="1" dirty="0" smtClean="0">
+                      <a:rPr lang="en-US" sz="2400" b="0" i="1" dirty="0" smtClean="0">
                         <a:latin typeface="Cambria Math" panose="02040503050406030204" pitchFamily="18" charset="0"/>
                       </a:rPr>
-                      <m:t>𝐼𝑛</m:t>
+                      <m:t>𝑅𝑒𝑐𝑒𝑖𝑣𝑒</m:t>
                     </m:r>
                     <m:r>
                       <a:rPr lang="en-US" sz="2400" i="1" dirty="0" smtClean="0">
@@ -17114,15 +16026,7 @@
                 </a14:m>
                 <a:r>
                   <a:rPr lang="en-US" sz="2400" dirty="0"/>
-                  <a:t> from channel (via </a:t>
-                </a:r>
-                <a:r>
-                  <a:rPr lang="en-US" sz="2400" dirty="0" err="1"/>
-                  <a:t>MitM</a:t>
-                </a:r>
-                <a:r>
-                  <a:rPr lang="en-US" sz="2400" dirty="0"/>
-                  <a:t>) </a:t>
+                  <a:t> from the network channel</a:t>
                 </a:r>
                 <a:endParaRPr lang="en-US" sz="2400" i="1" dirty="0"/>
               </a:p>
@@ -17211,7 +16115,7 @@
               <a:blipFill>
                 <a:blip r:embed="rId2"/>
                 <a:stretch>
-                  <a:fillRect l="-1370" t="-1272"/>
+                  <a:fillRect l="-1370" t="-1272" b="-4071"/>
                 </a:stretch>
               </a:blipFill>
             </p:spPr>
@@ -17685,7 +16589,7 @@
                 <a:buFontTx/>
                 <a:buNone/>
               </a:pPr>
-              <a:t>12</a:t>
+              <a:t>11</a:t>
             </a:fld>
             <a:endParaRPr lang="he-IL" altLang="he-IL" sz="1800" dirty="0"/>
           </a:p>
@@ -17704,7 +16608,7 @@
 </p:sld>
 </file>
 
-<file path=ppt/slides/slide13.xml><?xml version="1.0" encoding="utf-8"?>
+<file path=ppt/slides/slide12.xml><?xml version="1.0" encoding="utf-8"?>
 <p:sld xmlns:a="http://schemas.openxmlformats.org/drawingml/2006/main" xmlns:r="http://schemas.openxmlformats.org/officeDocument/2006/relationships" xmlns:p="http://schemas.openxmlformats.org/presentationml/2006/main">
   <p:cSld>
     <p:spTree>
@@ -18044,7 +16948,7 @@
                   <a:spcPct val="0"/>
                 </a:spcBef>
               </a:pPr>
-              <a:t>13</a:t>
+              <a:t>12</a:t>
             </a:fld>
             <a:endParaRPr lang="en-US" altLang="en-US" sz="1800" dirty="0"/>
           </a:p>
@@ -21401,7 +20305,7 @@
 </p:sld>
 </file>
 
-<file path=ppt/slides/slide14.xml><?xml version="1.0" encoding="utf-8"?>
+<file path=ppt/slides/slide13.xml><?xml version="1.0" encoding="utf-8"?>
 <p:sld xmlns:a="http://schemas.openxmlformats.org/drawingml/2006/main" xmlns:r="http://schemas.openxmlformats.org/officeDocument/2006/relationships" xmlns:p="http://schemas.openxmlformats.org/presentationml/2006/main">
   <p:cSld>
     <p:spTree>
@@ -21741,7 +20645,7 @@
                   <a:spcPct val="0"/>
                 </a:spcBef>
               </a:pPr>
-              <a:t>14</a:t>
+              <a:t>13</a:t>
             </a:fld>
             <a:endParaRPr lang="en-US" altLang="en-US" sz="1800"/>
           </a:p>
@@ -28566,7 +27470,7 @@
 </p:sld>
 </file>
 
-<file path=ppt/slides/slide15.xml><?xml version="1.0" encoding="utf-8"?>
+<file path=ppt/slides/slide14.xml><?xml version="1.0" encoding="utf-8"?>
 <p:sld xmlns:a="http://schemas.openxmlformats.org/drawingml/2006/main" xmlns:r="http://schemas.openxmlformats.org/officeDocument/2006/relationships" xmlns:p="http://schemas.openxmlformats.org/presentationml/2006/main">
   <p:cSld>
     <p:bg>
@@ -29334,7 +28238,7 @@
                   <a:spcPct val="0"/>
                 </a:spcBef>
               </a:pPr>
-              <a:t>15</a:t>
+              <a:t>14</a:t>
             </a:fld>
             <a:endParaRPr lang="en-US" altLang="en-US" sz="1800" dirty="0"/>
           </a:p>
@@ -29376,7 +28280,7 @@
 </p:sld>
 </file>
 
-<file path=ppt/slides/slide16.xml><?xml version="1.0" encoding="utf-8"?>
+<file path=ppt/slides/slide15.xml><?xml version="1.0" encoding="utf-8"?>
 <p:sld xmlns:a="http://schemas.openxmlformats.org/drawingml/2006/main" xmlns:r="http://schemas.openxmlformats.org/officeDocument/2006/relationships" xmlns:p="http://schemas.openxmlformats.org/presentationml/2006/main">
   <p:cSld>
     <p:spTree>
@@ -32936,7 +31840,7 @@
                   <a:spcPct val="0"/>
                 </a:spcBef>
               </a:pPr>
-              <a:t>16</a:t>
+              <a:t>15</a:t>
             </a:fld>
             <a:endParaRPr lang="en-US" altLang="en-US" sz="1800" dirty="0"/>
           </a:p>
@@ -32983,7 +31887,7 @@
 </p:sld>
 </file>
 
-<file path=ppt/slides/slide17.xml><?xml version="1.0" encoding="utf-8"?>
+<file path=ppt/slides/slide16.xml><?xml version="1.0" encoding="utf-8"?>
 <p:sld xmlns:a="http://schemas.openxmlformats.org/drawingml/2006/main" xmlns:r="http://schemas.openxmlformats.org/officeDocument/2006/relationships" xmlns:p="http://schemas.openxmlformats.org/presentationml/2006/main">
   <p:cSld>
     <p:spTree>
@@ -33484,7 +32388,7 @@
                 <a:buFontTx/>
                 <a:buNone/>
               </a:pPr>
-              <a:t>17</a:t>
+              <a:t>16</a:t>
             </a:fld>
             <a:endParaRPr lang="en-US" altLang="he-IL" sz="1800" dirty="0"/>
           </a:p>
@@ -33725,7 +32629,7 @@
 </p:sld>
 </file>
 
-<file path=ppt/slides/slide18.xml><?xml version="1.0" encoding="utf-8"?>
+<file path=ppt/slides/slide17.xml><?xml version="1.0" encoding="utf-8"?>
 <p:sld xmlns:a="http://schemas.openxmlformats.org/drawingml/2006/main" xmlns:r="http://schemas.openxmlformats.org/officeDocument/2006/relationships" xmlns:p="http://schemas.openxmlformats.org/presentationml/2006/main">
   <p:cSld>
     <p:spTree>
@@ -34495,14 +33399,21 @@
             <a:pPr lvl="1"/>
             <a:r>
               <a:rPr lang="en-US" sz="2000" dirty="0"/>
-              <a:t>Each receiving (state, input), outputting (state, output)</a:t>
+              <a:t>Each receiving (input), outputting (output)</a:t>
+            </a:r>
+          </a:p>
+          <a:p>
+            <a:pPr lvl="2"/>
+            <a:r>
+              <a:rPr lang="en-US" sz="2000" dirty="0"/>
+              <a:t>Stateful protocols will have current state as additional input, and updated state as an additional output</a:t>
             </a:r>
           </a:p>
           <a:p>
             <a:pPr lvl="1"/>
             <a:r>
               <a:rPr lang="en-US" sz="2000" dirty="0"/>
-              <a:t>Two (or more) parties, each has its own state</a:t>
+              <a:t>Two (or more) parties (each has its own state)</a:t>
             </a:r>
           </a:p>
           <a:p>
@@ -34512,40 +33423,16 @@
             </a:r>
             <a:r>
               <a:rPr lang="en-US" sz="2400" i="1" dirty="0"/>
-              <a:t>Init, In, </a:t>
+              <a:t>Init (short for initialize)</a:t>
             </a:r>
-            <a:r>
-              <a:rPr lang="en-US" sz="2400" dirty="0"/>
-              <a:t>[and if needed </a:t>
-            </a:r>
-            <a:r>
-              <a:rPr lang="en-US" sz="2400" i="1" dirty="0"/>
-              <a:t>Wakeup</a:t>
-            </a:r>
-            <a:r>
-              <a:rPr lang="en-US" sz="2400" dirty="0"/>
-              <a:t>]</a:t>
-            </a:r>
-            <a:r>
-              <a:rPr lang="en-US" sz="2400" i="1" dirty="0"/>
-              <a:t> </a:t>
-            </a:r>
-            <a:r>
-              <a:rPr lang="en-US" sz="2400" dirty="0"/>
-              <a:t>functions</a:t>
-            </a:r>
+            <a:endParaRPr lang="en-US" sz="2400" dirty="0"/>
           </a:p>
           <a:p>
             <a:pPr lvl="1"/>
             <a:r>
               <a:rPr lang="en-US" sz="2000" dirty="0"/>
-              <a:t>And task-specific functions, e.g., </a:t>
+              <a:t>Set the initial state of a party.</a:t>
             </a:r>
-            <a:r>
-              <a:rPr lang="en-US" sz="2000" i="1" dirty="0"/>
-              <a:t>Send</a:t>
-            </a:r>
-            <a:endParaRPr lang="en-US" sz="2000" dirty="0"/>
           </a:p>
           <a:p>
             <a:r>
@@ -34569,8 +33456,11 @@
               <a:rPr lang="en-US" sz="2400" dirty="0">
                 <a:sym typeface="Wingdings" panose="05000000000000000000" pitchFamily="2" charset="2"/>
               </a:rPr>
-              <a:t>on shared-key, two-party protocols, MitM adversary.</a:t>
+              <a:t>on shared-key, two-party protocols, (man in the middle) MitM adversary.</a:t>
             </a:r>
+            <a:endParaRPr lang="en-US" sz="2000" dirty="0">
+              <a:sym typeface="Wingdings" panose="05000000000000000000" pitchFamily="2" charset="2"/>
+            </a:endParaRPr>
           </a:p>
         </p:txBody>
       </p:sp>
@@ -35081,7 +33971,7 @@
                                         <p:tgtEl>
                                           <p:spTgt spid="3">
                                             <p:txEl>
-                                              <p:pRg st="6" end="6"/>
+                                              <p:pRg st="7" end="7"/>
                                             </p:txEl>
                                           </p:spTgt>
                                         </p:tgtEl>
@@ -35099,7 +33989,7 @@
                                         <p:tgtEl>
                                           <p:spTgt spid="3">
                                             <p:txEl>
-                                              <p:pRg st="6" end="6"/>
+                                              <p:pRg st="7" end="7"/>
                                             </p:txEl>
                                           </p:spTgt>
                                         </p:tgtEl>
@@ -35126,7 +34016,7 @@
                                         <p:tgtEl>
                                           <p:spTgt spid="3">
                                             <p:txEl>
-                                              <p:pRg st="6" end="6"/>
+                                              <p:pRg st="7" end="7"/>
                                             </p:txEl>
                                           </p:spTgt>
                                         </p:tgtEl>
@@ -35351,8 +34241,8 @@
           </a:p>
         </p:txBody>
       </p:sp>
-      <mc:AlternateContent xmlns:mc="http://schemas.openxmlformats.org/markup-compatibility/2006" xmlns:a14="http://schemas.microsoft.com/office/drawing/2010/main">
-        <mc:Choice Requires="a14">
+      <mc:AlternateContent xmlns:mc="http://schemas.openxmlformats.org/markup-compatibility/2006">
+        <mc:Choice xmlns:a14="http://schemas.microsoft.com/office/drawing/2010/main" Requires="a14">
           <p:sp>
             <p:nvSpPr>
               <p:cNvPr id="3" name="Content Placeholder 2"/>
@@ -35553,14 +34443,12 @@
               </a:p>
               <a:p>
                 <a:pPr lvl="1"/>
+                <a:r>
+                  <a:rPr lang="en-US" i="1" dirty="0"/>
+                  <a:t>Receive</a:t>
+                </a:r>
                 <a14:m>
                   <m:oMath xmlns:m="http://schemas.openxmlformats.org/officeDocument/2006/math">
-                    <m:r>
-                      <a:rPr lang="en-US" i="1" dirty="0" smtClean="0">
-                        <a:latin typeface="Cambria Math" panose="02040503050406030204" pitchFamily="18" charset="0"/>
-                      </a:rPr>
-                      <m:t>𝐼𝑛</m:t>
-                    </m:r>
                     <m:r>
                       <a:rPr lang="en-US" i="1" dirty="0" smtClean="0">
                         <a:latin typeface="Cambria Math" panose="02040503050406030204" pitchFamily="18" charset="0"/>
@@ -35613,7 +34501,7 @@
             </p:txBody>
           </p:sp>
         </mc:Choice>
-        <mc:Fallback xmlns="">
+        <mc:Fallback>
           <p:sp>
             <p:nvSpPr>
               <p:cNvPr id="3" name="Content Placeholder 2"/>
@@ -35632,7 +34520,7 @@
               <a:blipFill>
                 <a:blip r:embed="rId2"/>
                 <a:stretch>
-                  <a:fillRect l="-1387" t="-1272" b="-8142"/>
+                  <a:fillRect l="-1387" t="-1272" r="-1233" b="-8142"/>
                 </a:stretch>
               </a:blipFill>
             </p:spPr>
@@ -36760,8 +35648,8 @@
           </a:p>
         </p:txBody>
       </p:sp>
-      <mc:AlternateContent xmlns:mc="http://schemas.openxmlformats.org/markup-compatibility/2006" xmlns:a14="http://schemas.microsoft.com/office/drawing/2010/main">
-        <mc:Choice Requires="a14">
+      <mc:AlternateContent xmlns:mc="http://schemas.openxmlformats.org/markup-compatibility/2006">
+        <mc:Choice xmlns:a14="http://schemas.microsoft.com/office/drawing/2010/main" Requires="a14">
           <p:sp>
             <p:nvSpPr>
               <p:cNvPr id="3" name="Content Placeholder 2"/>
@@ -36830,248 +35718,16 @@
               </a:p>
               <a:p>
                 <a:pPr lvl="2"/>
-                <a14:m>
-                  <m:oMath xmlns:m="http://schemas.openxmlformats.org/officeDocument/2006/math">
-                    <m:r>
-                      <a:rPr lang="en-US" i="1" dirty="0" smtClean="0">
-                        <a:latin typeface="Cambria Math" panose="02040503050406030204" pitchFamily="18" charset="0"/>
-                      </a:rPr>
-                      <m:t>{</m:t>
-                    </m:r>
-                    <m:r>
-                      <a:rPr lang="en-US" i="1" dirty="0" smtClean="0">
-                        <a:latin typeface="Cambria Math" panose="02040503050406030204" pitchFamily="18" charset="0"/>
-                      </a:rPr>
-                      <m:t>𝑠</m:t>
-                    </m:r>
-                    <m:r>
-                      <a:rPr lang="en-US" i="1" dirty="0">
-                        <a:latin typeface="Cambria Math" panose="02040503050406030204" pitchFamily="18" charset="0"/>
-                      </a:rPr>
-                      <m:t> </m:t>
-                    </m:r>
-                    <m:r>
-                      <a:rPr lang="en-US" i="1" dirty="0" smtClean="0">
-                        <a:latin typeface="Cambria Math" panose="02040503050406030204" pitchFamily="18" charset="0"/>
-                        <a:sym typeface="Wingdings" panose="05000000000000000000" pitchFamily="2" charset="2"/>
-                      </a:rPr>
-                      <m:t></m:t>
-                    </m:r>
-                    <m:r>
-                      <a:rPr lang="en-US" i="1" dirty="0">
-                        <a:latin typeface="Cambria Math" panose="02040503050406030204" pitchFamily="18" charset="0"/>
-                        <a:sym typeface="Wingdings" panose="05000000000000000000" pitchFamily="2" charset="2"/>
-                      </a:rPr>
-                      <m:t> (</m:t>
-                    </m:r>
-                    <m:sSub>
-                      <m:sSubPr>
-                        <m:ctrlPr>
-                          <a:rPr lang="en-US" i="1">
-                            <a:latin typeface="Cambria Math" panose="02040503050406030204" pitchFamily="18" charset="0"/>
-                            <a:sym typeface="Wingdings" panose="05000000000000000000" pitchFamily="2" charset="2"/>
-                          </a:rPr>
-                        </m:ctrlPr>
-                      </m:sSubPr>
-                      <m:e>
-                        <m:r>
-                          <a:rPr lang="en-US" i="1">
-                            <a:latin typeface="Cambria Math" panose="02040503050406030204" pitchFamily="18" charset="0"/>
-                            <a:sym typeface="Wingdings" panose="05000000000000000000" pitchFamily="2" charset="2"/>
-                          </a:rPr>
-                          <m:t>𝑘</m:t>
-                        </m:r>
-                      </m:e>
-                      <m:sub>
-                        <m:r>
-                          <a:rPr lang="en-US" i="1">
-                            <a:latin typeface="Cambria Math" panose="02040503050406030204" pitchFamily="18" charset="0"/>
-                            <a:sym typeface="Wingdings" panose="05000000000000000000" pitchFamily="2" charset="2"/>
-                          </a:rPr>
-                          <m:t>𝐸</m:t>
-                        </m:r>
-                      </m:sub>
-                    </m:sSub>
-                    <m:r>
-                      <a:rPr lang="en-US" i="1">
-                        <a:latin typeface="Cambria Math" panose="02040503050406030204" pitchFamily="18" charset="0"/>
-                        <a:sym typeface="Wingdings" panose="05000000000000000000" pitchFamily="2" charset="2"/>
-                      </a:rPr>
-                      <m:t>=</m:t>
-                    </m:r>
-                    <m:sSub>
-                      <m:sSubPr>
-                        <m:ctrlPr>
-                          <a:rPr lang="en-US" i="1">
-                            <a:latin typeface="Cambria Math" panose="02040503050406030204" pitchFamily="18" charset="0"/>
-                            <a:sym typeface="Wingdings" panose="05000000000000000000" pitchFamily="2" charset="2"/>
-                          </a:rPr>
-                        </m:ctrlPr>
-                      </m:sSubPr>
-                      <m:e>
-                        <m:r>
-                          <a:rPr lang="en-US" i="1">
-                            <a:latin typeface="Cambria Math" panose="02040503050406030204" pitchFamily="18" charset="0"/>
-                            <a:sym typeface="Wingdings" panose="05000000000000000000" pitchFamily="2" charset="2"/>
-                          </a:rPr>
-                          <m:t>𝐹</m:t>
-                        </m:r>
-                      </m:e>
-                      <m:sub>
-                        <m:r>
-                          <a:rPr lang="en-US" i="1">
-                            <a:latin typeface="Cambria Math" panose="02040503050406030204" pitchFamily="18" charset="0"/>
-                            <a:sym typeface="Wingdings" panose="05000000000000000000" pitchFamily="2" charset="2"/>
-                          </a:rPr>
-                          <m:t>𝑘</m:t>
-                        </m:r>
-                      </m:sub>
-                    </m:sSub>
-                    <m:d>
-                      <m:dPr>
-                        <m:ctrlPr>
-                          <a:rPr lang="en-US" i="1">
-                            <a:latin typeface="Cambria Math" panose="02040503050406030204" pitchFamily="18" charset="0"/>
-                            <a:sym typeface="Wingdings" panose="05000000000000000000" pitchFamily="2" charset="2"/>
-                          </a:rPr>
-                        </m:ctrlPr>
-                      </m:dPr>
-                      <m:e>
-                        <m:r>
-                          <a:rPr lang="en-US" i="1">
-                            <a:latin typeface="Cambria Math" panose="02040503050406030204" pitchFamily="18" charset="0"/>
-                            <a:sym typeface="Wingdings" panose="05000000000000000000" pitchFamily="2" charset="2"/>
-                          </a:rPr>
-                          <m:t>`</m:t>
-                        </m:r>
-                        <m:r>
-                          <a:rPr lang="en-US" i="1">
-                            <a:latin typeface="Cambria Math" panose="02040503050406030204" pitchFamily="18" charset="0"/>
-                            <a:sym typeface="Wingdings" panose="05000000000000000000" pitchFamily="2" charset="2"/>
-                          </a:rPr>
-                          <m:t>𝐸</m:t>
-                        </m:r>
-                        <m:r>
-                          <a:rPr lang="en-US" i="1">
-                            <a:latin typeface="Cambria Math" panose="02040503050406030204" pitchFamily="18" charset="0"/>
-                            <a:sym typeface="Wingdings" panose="05000000000000000000" pitchFamily="2" charset="2"/>
-                          </a:rPr>
-                          <m:t>`</m:t>
-                        </m:r>
-                      </m:e>
-                    </m:d>
-                    <m:r>
-                      <a:rPr lang="en-US" b="0" i="1" smtClean="0">
-                        <a:latin typeface="Cambria Math" panose="02040503050406030204" pitchFamily="18" charset="0"/>
-                        <a:sym typeface="Wingdings" panose="05000000000000000000" pitchFamily="2" charset="2"/>
-                      </a:rPr>
-                      <m:t> ,</m:t>
-                    </m:r>
-                    <m:r>
-                      <a:rPr lang="en-US" i="1">
-                        <a:latin typeface="Cambria Math" panose="02040503050406030204" pitchFamily="18" charset="0"/>
-                        <a:sym typeface="Wingdings" panose="05000000000000000000" pitchFamily="2" charset="2"/>
-                      </a:rPr>
-                      <m:t> </m:t>
-                    </m:r>
-                    <m:sSub>
-                      <m:sSubPr>
-                        <m:ctrlPr>
-                          <a:rPr lang="en-US" i="1">
-                            <a:latin typeface="Cambria Math" panose="02040503050406030204" pitchFamily="18" charset="0"/>
-                            <a:sym typeface="Wingdings" panose="05000000000000000000" pitchFamily="2" charset="2"/>
-                          </a:rPr>
-                        </m:ctrlPr>
-                      </m:sSubPr>
-                      <m:e>
-                        <m:r>
-                          <a:rPr lang="en-US" i="1">
-                            <a:latin typeface="Cambria Math" panose="02040503050406030204" pitchFamily="18" charset="0"/>
-                            <a:sym typeface="Wingdings" panose="05000000000000000000" pitchFamily="2" charset="2"/>
-                          </a:rPr>
-                          <m:t>𝑘</m:t>
-                        </m:r>
-                      </m:e>
-                      <m:sub>
-                        <m:r>
-                          <a:rPr lang="en-US" i="1">
-                            <a:latin typeface="Cambria Math" panose="02040503050406030204" pitchFamily="18" charset="0"/>
-                            <a:sym typeface="Wingdings" panose="05000000000000000000" pitchFamily="2" charset="2"/>
-                          </a:rPr>
-                          <m:t>𝐴</m:t>
-                        </m:r>
-                      </m:sub>
-                    </m:sSub>
-                    <m:r>
-                      <a:rPr lang="en-US" i="1">
-                        <a:latin typeface="Cambria Math" panose="02040503050406030204" pitchFamily="18" charset="0"/>
-                        <a:sym typeface="Wingdings" panose="05000000000000000000" pitchFamily="2" charset="2"/>
-                      </a:rPr>
-                      <m:t>=</m:t>
-                    </m:r>
-                    <m:sSub>
-                      <m:sSubPr>
-                        <m:ctrlPr>
-                          <a:rPr lang="en-US" i="1">
-                            <a:latin typeface="Cambria Math" panose="02040503050406030204" pitchFamily="18" charset="0"/>
-                            <a:sym typeface="Wingdings" panose="05000000000000000000" pitchFamily="2" charset="2"/>
-                          </a:rPr>
-                        </m:ctrlPr>
-                      </m:sSubPr>
-                      <m:e>
-                        <m:r>
-                          <a:rPr lang="en-US" i="1">
-                            <a:latin typeface="Cambria Math" panose="02040503050406030204" pitchFamily="18" charset="0"/>
-                            <a:sym typeface="Wingdings" panose="05000000000000000000" pitchFamily="2" charset="2"/>
-                          </a:rPr>
-                          <m:t>𝐹</m:t>
-                        </m:r>
-                      </m:e>
-                      <m:sub>
-                        <m:r>
-                          <a:rPr lang="en-US" i="1">
-                            <a:latin typeface="Cambria Math" panose="02040503050406030204" pitchFamily="18" charset="0"/>
-                            <a:sym typeface="Wingdings" panose="05000000000000000000" pitchFamily="2" charset="2"/>
-                          </a:rPr>
-                          <m:t>𝑘</m:t>
-                        </m:r>
-                      </m:sub>
-                    </m:sSub>
-                    <m:d>
-                      <m:dPr>
-                        <m:ctrlPr>
-                          <a:rPr lang="en-US" i="1">
-                            <a:latin typeface="Cambria Math" panose="02040503050406030204" pitchFamily="18" charset="0"/>
-                            <a:sym typeface="Wingdings" panose="05000000000000000000" pitchFamily="2" charset="2"/>
-                          </a:rPr>
-                        </m:ctrlPr>
-                      </m:dPr>
-                      <m:e>
-                        <m:r>
-                          <a:rPr lang="en-US" i="1">
-                            <a:latin typeface="Cambria Math" panose="02040503050406030204" pitchFamily="18" charset="0"/>
-                            <a:sym typeface="Wingdings" panose="05000000000000000000" pitchFamily="2" charset="2"/>
-                          </a:rPr>
-                          <m:t>`</m:t>
-                        </m:r>
-                        <m:r>
-                          <a:rPr lang="en-US" i="1">
-                            <a:latin typeface="Cambria Math" panose="02040503050406030204" pitchFamily="18" charset="0"/>
-                            <a:sym typeface="Wingdings" panose="05000000000000000000" pitchFamily="2" charset="2"/>
-                          </a:rPr>
-                          <m:t>𝐴</m:t>
-                        </m:r>
-                        <m:r>
-                          <a:rPr lang="en-US" i="1">
-                            <a:latin typeface="Cambria Math" panose="02040503050406030204" pitchFamily="18" charset="0"/>
-                            <a:sym typeface="Wingdings" panose="05000000000000000000" pitchFamily="2" charset="2"/>
-                          </a:rPr>
-                          <m:t>`</m:t>
-                        </m:r>
-                      </m:e>
-                    </m:d>
-                  </m:oMath>
-                </a14:m>
+                <a:r>
+                  <a:rPr lang="en-US" dirty="0"/>
+                  <a:t>Generate keys for encryption and MAC </a:t>
+                </a:r>
+                <a14:m/>
+              </a:p>
+              <a:p>
+                <a:pPr marL="914400" lvl="2" indent="0">
+                  <a:buNone/>
+                </a:pPr>
                 <a:r>
                   <a:rPr lang="en-US" dirty="0"/>
                   <a:t>)</a:t>
@@ -37369,16 +36025,16 @@
                 <a14:m>
                   <m:oMath xmlns:m="http://schemas.openxmlformats.org/officeDocument/2006/math">
                     <m:r>
-                      <a:rPr lang="en-US" i="1" dirty="0" smtClean="0">
+                      <a:rPr lang="en-US" b="0" i="1" dirty="0" smtClean="0">
                         <a:latin typeface="Cambria Math" panose="02040503050406030204" pitchFamily="18" charset="0"/>
                       </a:rPr>
-                      <m:t>𝐼𝑛</m:t>
+                      <m:t>𝑅𝑒𝑐𝑒𝑖𝑣𝑒</m:t>
                     </m:r>
                     <m:r>
                       <a:rPr lang="en-US" i="1" dirty="0" smtClean="0">
                         <a:latin typeface="Cambria Math" panose="02040503050406030204" pitchFamily="18" charset="0"/>
                       </a:rPr>
-                      <m:t>((</m:t>
+                      <m:t>(</m:t>
                     </m:r>
                     <m:r>
                       <a:rPr lang="en-US" b="0" i="1" dirty="0" smtClean="0">
@@ -37397,13 +36053,6 @@
                         <a:latin typeface="Cambria Math" panose="02040503050406030204" pitchFamily="18" charset="0"/>
                       </a:rPr>
                       <m:t>𝑡𝑎𝑔</m:t>
-                    </m:r>
-                    <m:r>
-                      <a:rPr lang="en-US" b="0" i="1" dirty="0" smtClean="0">
-                        <a:latin typeface="Cambria Math" panose="02040503050406030204" pitchFamily="18" charset="0"/>
-                        <a:ea typeface="Cambria Math" panose="02040503050406030204" pitchFamily="18" charset="0"/>
-                      </a:rPr>
-                      <m:t>)</m:t>
                     </m:r>
                     <m:r>
                       <a:rPr lang="en-US" i="1" dirty="0" smtClean="0">
@@ -37458,7 +36107,7 @@
                 </a14:m>
                 <a:r>
                   <a:rPr lang="en-US" dirty="0"/>
-                  <a:t> from adversary</a:t>
+                  <a:t> from the network</a:t>
                 </a:r>
               </a:p>
               <a:p>
@@ -37631,7 +36280,7 @@
             </p:txBody>
           </p:sp>
         </mc:Choice>
-        <mc:Fallback xmlns="">
+        <mc:Fallback>
           <p:sp>
             <p:nvSpPr>
               <p:cNvPr id="3" name="Content Placeholder 2"/>

--- a/courses/cse3400-f2025/lecture8.pptx
+++ b/courses/cse3400-f2025/lecture8.pptx
@@ -1697,7 +1697,7 @@
                   <a:spcPct val="0"/>
                 </a:spcBef>
               </a:pPr>
-              <a:t>10/21/25</a:t>
+              <a:t>10/23/25</a:t>
             </a:fld>
             <a:endParaRPr lang="en-US" altLang="en-US">
               <a:latin typeface="Arial" panose="020B0604020202020204" pitchFamily="34" charset="0"/>
@@ -3622,7 +3622,7 @@
                   <a:spcPct val="0"/>
                 </a:spcBef>
               </a:pPr>
-              <a:t>10/21/25</a:t>
+              <a:t>10/23/25</a:t>
             </a:fld>
             <a:endParaRPr lang="en-US" altLang="en-US">
               <a:latin typeface="Arial" panose="020B0604020202020204" pitchFamily="34" charset="0"/>
@@ -4038,7 +4038,7 @@
                   <a:spcPct val="0"/>
                 </a:spcBef>
               </a:pPr>
-              <a:t>10/21/25</a:t>
+              <a:t>10/23/25</a:t>
             </a:fld>
             <a:endParaRPr lang="en-US" altLang="en-US">
               <a:latin typeface="Arial" panose="020B0604020202020204" pitchFamily="34" charset="0"/>
@@ -5963,7 +5963,7 @@
                   <a:spcPct val="0"/>
                 </a:spcBef>
               </a:pPr>
-              <a:t>10/21/25</a:t>
+              <a:t>10/23/25</a:t>
             </a:fld>
             <a:endParaRPr lang="en-US" altLang="en-US">
               <a:latin typeface="Arial" panose="020B0604020202020204" pitchFamily="34" charset="0"/>
@@ -15816,8 +15816,8 @@
           </a:p>
         </p:txBody>
       </p:sp>
-      <mc:AlternateContent xmlns:mc="http://schemas.openxmlformats.org/markup-compatibility/2006">
-        <mc:Choice xmlns:a14="http://schemas.microsoft.com/office/drawing/2010/main" Requires="a14">
+      <mc:AlternateContent xmlns:mc="http://schemas.openxmlformats.org/markup-compatibility/2006" xmlns:a14="http://schemas.microsoft.com/office/drawing/2010/main">
+        <mc:Choice Requires="a14">
           <p:sp>
             <p:nvSpPr>
               <p:cNvPr id="3" name="Content Placeholder 2"/>
@@ -16096,7 +16096,7 @@
             </p:txBody>
           </p:sp>
         </mc:Choice>
-        <mc:Fallback>
+        <mc:Fallback xmlns="">
           <p:sp>
             <p:nvSpPr>
               <p:cNvPr id="3" name="Content Placeholder 2"/>
@@ -34241,8 +34241,8 @@
           </a:p>
         </p:txBody>
       </p:sp>
-      <mc:AlternateContent xmlns:mc="http://schemas.openxmlformats.org/markup-compatibility/2006">
-        <mc:Choice xmlns:a14="http://schemas.microsoft.com/office/drawing/2010/main" Requires="a14">
+      <mc:AlternateContent xmlns:mc="http://schemas.openxmlformats.org/markup-compatibility/2006" xmlns:a14="http://schemas.microsoft.com/office/drawing/2010/main">
+        <mc:Choice Requires="a14">
           <p:sp>
             <p:nvSpPr>
               <p:cNvPr id="3" name="Content Placeholder 2"/>
@@ -34501,7 +34501,7 @@
             </p:txBody>
           </p:sp>
         </mc:Choice>
-        <mc:Fallback>
+        <mc:Fallback xmlns="">
           <p:sp>
             <p:nvSpPr>
               <p:cNvPr id="3" name="Content Placeholder 2"/>
@@ -35722,12 +35722,228 @@
                   <a:rPr lang="en-US" dirty="0"/>
                   <a:t>Generate keys for encryption and MAC </a:t>
                 </a:r>
-                <a14:m/>
               </a:p>
               <a:p>
                 <a:pPr marL="914400" lvl="2" indent="0">
                   <a:buNone/>
                 </a:pPr>
+                <a14:m>
+                  <m:oMath xmlns:m="http://schemas.openxmlformats.org/officeDocument/2006/math">
+                    <m:r>
+                      <a:rPr lang="en-US" i="1" dirty="0">
+                        <a:latin typeface="Cambria Math" panose="02040503050406030204" pitchFamily="18" charset="0"/>
+                        <a:sym typeface="Wingdings" panose="05000000000000000000" pitchFamily="2" charset="2"/>
+                      </a:rPr>
+                      <m:t>(</m:t>
+                    </m:r>
+                    <m:sSub>
+                      <m:sSubPr>
+                        <m:ctrlPr>
+                          <a:rPr lang="en-US" i="1">
+                            <a:latin typeface="Cambria Math" panose="02040503050406030204" pitchFamily="18" charset="0"/>
+                            <a:sym typeface="Wingdings" panose="05000000000000000000" pitchFamily="2" charset="2"/>
+                          </a:rPr>
+                        </m:ctrlPr>
+                      </m:sSubPr>
+                      <m:e>
+                        <m:r>
+                          <a:rPr lang="en-US" i="1">
+                            <a:latin typeface="Cambria Math" panose="02040503050406030204" pitchFamily="18" charset="0"/>
+                            <a:sym typeface="Wingdings" panose="05000000000000000000" pitchFamily="2" charset="2"/>
+                          </a:rPr>
+                          <m:t>𝑘</m:t>
+                        </m:r>
+                      </m:e>
+                      <m:sub>
+                        <m:r>
+                          <a:rPr lang="en-US" i="1">
+                            <a:latin typeface="Cambria Math" panose="02040503050406030204" pitchFamily="18" charset="0"/>
+                            <a:sym typeface="Wingdings" panose="05000000000000000000" pitchFamily="2" charset="2"/>
+                          </a:rPr>
+                          <m:t>𝐸</m:t>
+                        </m:r>
+                      </m:sub>
+                    </m:sSub>
+                    <m:r>
+                      <a:rPr lang="en-US" i="1">
+                        <a:latin typeface="Cambria Math" panose="02040503050406030204" pitchFamily="18" charset="0"/>
+                        <a:sym typeface="Wingdings" panose="05000000000000000000" pitchFamily="2" charset="2"/>
+                      </a:rPr>
+                      <m:t>=</m:t>
+                    </m:r>
+                    <m:sSub>
+                      <m:sSubPr>
+                        <m:ctrlPr>
+                          <a:rPr lang="en-US" i="1">
+                            <a:latin typeface="Cambria Math" panose="02040503050406030204" pitchFamily="18" charset="0"/>
+                            <a:sym typeface="Wingdings" panose="05000000000000000000" pitchFamily="2" charset="2"/>
+                          </a:rPr>
+                        </m:ctrlPr>
+                      </m:sSubPr>
+                      <m:e>
+                        <m:r>
+                          <a:rPr lang="en-US" i="1">
+                            <a:latin typeface="Cambria Math" panose="02040503050406030204" pitchFamily="18" charset="0"/>
+                            <a:sym typeface="Wingdings" panose="05000000000000000000" pitchFamily="2" charset="2"/>
+                          </a:rPr>
+                          <m:t>𝐹</m:t>
+                        </m:r>
+                      </m:e>
+                      <m:sub>
+                        <m:r>
+                          <a:rPr lang="en-US" i="1">
+                            <a:latin typeface="Cambria Math" panose="02040503050406030204" pitchFamily="18" charset="0"/>
+                            <a:sym typeface="Wingdings" panose="05000000000000000000" pitchFamily="2" charset="2"/>
+                          </a:rPr>
+                          <m:t>𝑘</m:t>
+                        </m:r>
+                      </m:sub>
+                    </m:sSub>
+                    <m:d>
+                      <m:dPr>
+                        <m:ctrlPr>
+                          <a:rPr lang="en-US" i="1">
+                            <a:latin typeface="Cambria Math" panose="02040503050406030204" pitchFamily="18" charset="0"/>
+                            <a:sym typeface="Wingdings" panose="05000000000000000000" pitchFamily="2" charset="2"/>
+                          </a:rPr>
+                        </m:ctrlPr>
+                      </m:dPr>
+                      <m:e>
+                        <m:r>
+                          <a:rPr lang="en-US" i="1">
+                            <a:latin typeface="Cambria Math" panose="02040503050406030204" pitchFamily="18" charset="0"/>
+                            <a:sym typeface="Wingdings" panose="05000000000000000000" pitchFamily="2" charset="2"/>
+                          </a:rPr>
+                          <m:t>`</m:t>
+                        </m:r>
+                        <m:r>
+                          <a:rPr lang="en-US" i="1">
+                            <a:latin typeface="Cambria Math" panose="02040503050406030204" pitchFamily="18" charset="0"/>
+                            <a:sym typeface="Wingdings" panose="05000000000000000000" pitchFamily="2" charset="2"/>
+                          </a:rPr>
+                          <m:t>𝐸</m:t>
+                        </m:r>
+                        <m:r>
+                          <a:rPr lang="en-US" i="1">
+                            <a:latin typeface="Cambria Math" panose="02040503050406030204" pitchFamily="18" charset="0"/>
+                            <a:sym typeface="Wingdings" panose="05000000000000000000" pitchFamily="2" charset="2"/>
+                          </a:rPr>
+                          <m:t>`</m:t>
+                        </m:r>
+                      </m:e>
+                    </m:d>
+                    <m:r>
+                      <a:rPr lang="en-US" i="1">
+                        <a:latin typeface="Cambria Math" panose="02040503050406030204" pitchFamily="18" charset="0"/>
+                        <a:sym typeface="Wingdings" panose="05000000000000000000" pitchFamily="2" charset="2"/>
+                      </a:rPr>
+                      <m:t> ,</m:t>
+                    </m:r>
+                    <m:r>
+                      <a:rPr lang="en-US" i="1">
+                        <a:latin typeface="Cambria Math" panose="02040503050406030204" pitchFamily="18" charset="0"/>
+                        <a:sym typeface="Wingdings" panose="05000000000000000000" pitchFamily="2" charset="2"/>
+                      </a:rPr>
+                      <m:t> </m:t>
+                    </m:r>
+                    <m:sSub>
+                      <m:sSubPr>
+                        <m:ctrlPr>
+                          <a:rPr lang="en-US" i="1">
+                            <a:latin typeface="Cambria Math" panose="02040503050406030204" pitchFamily="18" charset="0"/>
+                            <a:sym typeface="Wingdings" panose="05000000000000000000" pitchFamily="2" charset="2"/>
+                          </a:rPr>
+                        </m:ctrlPr>
+                      </m:sSubPr>
+                      <m:e>
+                        <m:r>
+                          <a:rPr lang="en-US" i="1">
+                            <a:latin typeface="Cambria Math" panose="02040503050406030204" pitchFamily="18" charset="0"/>
+                            <a:sym typeface="Wingdings" panose="05000000000000000000" pitchFamily="2" charset="2"/>
+                          </a:rPr>
+                          <m:t>𝑘</m:t>
+                        </m:r>
+                      </m:e>
+                      <m:sub>
+                        <m:r>
+                          <a:rPr lang="en-US" i="1">
+                            <a:latin typeface="Cambria Math" panose="02040503050406030204" pitchFamily="18" charset="0"/>
+                            <a:sym typeface="Wingdings" panose="05000000000000000000" pitchFamily="2" charset="2"/>
+                          </a:rPr>
+                          <m:t>𝐴</m:t>
+                        </m:r>
+                      </m:sub>
+                    </m:sSub>
+                    <m:r>
+                      <a:rPr lang="en-US" i="1">
+                        <a:latin typeface="Cambria Math" panose="02040503050406030204" pitchFamily="18" charset="0"/>
+                        <a:sym typeface="Wingdings" panose="05000000000000000000" pitchFamily="2" charset="2"/>
+                      </a:rPr>
+                      <m:t>=</m:t>
+                    </m:r>
+                    <m:sSub>
+                      <m:sSubPr>
+                        <m:ctrlPr>
+                          <a:rPr lang="en-US" i="1">
+                            <a:latin typeface="Cambria Math" panose="02040503050406030204" pitchFamily="18" charset="0"/>
+                            <a:sym typeface="Wingdings" panose="05000000000000000000" pitchFamily="2" charset="2"/>
+                          </a:rPr>
+                        </m:ctrlPr>
+                      </m:sSubPr>
+                      <m:e>
+                        <m:r>
+                          <a:rPr lang="en-US" i="1">
+                            <a:latin typeface="Cambria Math" panose="02040503050406030204" pitchFamily="18" charset="0"/>
+                            <a:sym typeface="Wingdings" panose="05000000000000000000" pitchFamily="2" charset="2"/>
+                          </a:rPr>
+                          <m:t>𝐹</m:t>
+                        </m:r>
+                      </m:e>
+                      <m:sub>
+                        <m:r>
+                          <a:rPr lang="en-US" i="1">
+                            <a:latin typeface="Cambria Math" panose="02040503050406030204" pitchFamily="18" charset="0"/>
+                            <a:sym typeface="Wingdings" panose="05000000000000000000" pitchFamily="2" charset="2"/>
+                          </a:rPr>
+                          <m:t>𝑘</m:t>
+                        </m:r>
+                      </m:sub>
+                    </m:sSub>
+                    <m:d>
+                      <m:dPr>
+                        <m:ctrlPr>
+                          <a:rPr lang="en-US" i="1">
+                            <a:latin typeface="Cambria Math" panose="02040503050406030204" pitchFamily="18" charset="0"/>
+                            <a:sym typeface="Wingdings" panose="05000000000000000000" pitchFamily="2" charset="2"/>
+                          </a:rPr>
+                        </m:ctrlPr>
+                      </m:dPr>
+                      <m:e>
+                        <m:r>
+                          <a:rPr lang="en-US" i="1">
+                            <a:latin typeface="Cambria Math" panose="02040503050406030204" pitchFamily="18" charset="0"/>
+                            <a:sym typeface="Wingdings" panose="05000000000000000000" pitchFamily="2" charset="2"/>
+                          </a:rPr>
+                          <m:t>`</m:t>
+                        </m:r>
+                        <m:r>
+                          <a:rPr lang="en-US" i="1">
+                            <a:latin typeface="Cambria Math" panose="02040503050406030204" pitchFamily="18" charset="0"/>
+                            <a:sym typeface="Wingdings" panose="05000000000000000000" pitchFamily="2" charset="2"/>
+                          </a:rPr>
+                          <m:t>𝐴</m:t>
+                        </m:r>
+                        <m:r>
+                          <a:rPr lang="en-US" i="1">
+                            <a:latin typeface="Cambria Math" panose="02040503050406030204" pitchFamily="18" charset="0"/>
+                            <a:sym typeface="Wingdings" panose="05000000000000000000" pitchFamily="2" charset="2"/>
+                          </a:rPr>
+                          <m:t>`</m:t>
+                        </m:r>
+                      </m:e>
+                    </m:d>
+                  </m:oMath>
+                </a14:m>
                 <a:r>
                   <a:rPr lang="en-US" dirty="0"/>
                   <a:t>)</a:t>
@@ -36132,20 +36348,55 @@
                       </a:rPr>
                       <m:t> </m:t>
                     </m:r>
-                    <m:r>
-                      <a:rPr lang="en-US" b="0" i="1" dirty="0" smtClean="0">
-                        <a:latin typeface="Cambria Math" panose="02040503050406030204" pitchFamily="18" charset="0"/>
-                        <a:sym typeface="Wingdings" panose="05000000000000000000" pitchFamily="2" charset="2"/>
-                      </a:rPr>
-                      <m:t>𝐷</m:t>
-                    </m:r>
-                    <m:r>
-                      <a:rPr lang="en-US" i="1" baseline="-25000" dirty="0" err="1">
-                        <a:latin typeface="Cambria Math" panose="02040503050406030204" pitchFamily="18" charset="0"/>
-                        <a:sym typeface="Wingdings" panose="05000000000000000000" pitchFamily="2" charset="2"/>
-                      </a:rPr>
-                      <m:t>𝑘</m:t>
-                    </m:r>
+                    <m:sSub>
+                      <m:sSubPr>
+                        <m:ctrlPr>
+                          <a:rPr lang="en-US" b="0" i="1" dirty="0" smtClean="0">
+                            <a:latin typeface="Cambria Math" panose="02040503050406030204" pitchFamily="18" charset="0"/>
+                            <a:sym typeface="Wingdings" panose="05000000000000000000" pitchFamily="2" charset="2"/>
+                          </a:rPr>
+                        </m:ctrlPr>
+                      </m:sSubPr>
+                      <m:e>
+                        <m:r>
+                          <a:rPr lang="en-US" b="0" i="1" dirty="0" smtClean="0">
+                            <a:latin typeface="Cambria Math" panose="02040503050406030204" pitchFamily="18" charset="0"/>
+                            <a:sym typeface="Wingdings" panose="05000000000000000000" pitchFamily="2" charset="2"/>
+                          </a:rPr>
+                          <m:t>𝐷</m:t>
+                        </m:r>
+                      </m:e>
+                      <m:sub>
+                        <m:sSub>
+                          <m:sSubPr>
+                            <m:ctrlPr>
+                              <a:rPr lang="en-US" i="1" dirty="0">
+                                <a:latin typeface="Cambria Math" panose="02040503050406030204" pitchFamily="18" charset="0"/>
+                                <a:sym typeface="Wingdings" panose="05000000000000000000" pitchFamily="2" charset="2"/>
+                              </a:rPr>
+                            </m:ctrlPr>
+                          </m:sSubPr>
+                          <m:e>
+                            <m:r>
+                              <a:rPr lang="en-US" i="1" dirty="0">
+                                <a:latin typeface="Cambria Math" panose="02040503050406030204" pitchFamily="18" charset="0"/>
+                                <a:sym typeface="Wingdings" panose="05000000000000000000" pitchFamily="2" charset="2"/>
+                              </a:rPr>
+                              <m:t>𝑘</m:t>
+                            </m:r>
+                          </m:e>
+                          <m:sub>
+                            <m:r>
+                              <a:rPr lang="en-US" i="1" dirty="0">
+                                <a:latin typeface="Cambria Math" panose="02040503050406030204" pitchFamily="18" charset="0"/>
+                                <a:sym typeface="Wingdings" panose="05000000000000000000" pitchFamily="2" charset="2"/>
+                              </a:rPr>
+                              <m:t>𝐸</m:t>
+                            </m:r>
+                          </m:sub>
+                        </m:sSub>
+                      </m:sub>
+                    </m:sSub>
                     <m:r>
                       <a:rPr lang="en-US" i="1" dirty="0">
                         <a:latin typeface="Cambria Math" panose="02040503050406030204" pitchFamily="18" charset="0"/>
